--- a/course_resources/slides/Used/004_functions.pptx
+++ b/course_resources/slides/Used/004_functions.pptx
@@ -5,22 +5,24 @@
     <p:sldMasterId id="2147483660" r:id="rId1"/>
   </p:sldMasterIdLst>
   <p:sldIdLst>
-    <p:sldId id="256" r:id="rId2"/>
-    <p:sldId id="257" r:id="rId3"/>
-    <p:sldId id="262" r:id="rId4"/>
-    <p:sldId id="259" r:id="rId5"/>
-    <p:sldId id="258" r:id="rId6"/>
-    <p:sldId id="263" r:id="rId7"/>
-    <p:sldId id="267" r:id="rId8"/>
-    <p:sldId id="266" r:id="rId9"/>
-    <p:sldId id="272" r:id="rId10"/>
-    <p:sldId id="271" r:id="rId11"/>
+    <p:sldId id="274" r:id="rId2"/>
+    <p:sldId id="256" r:id="rId3"/>
+    <p:sldId id="257" r:id="rId4"/>
+    <p:sldId id="262" r:id="rId5"/>
+    <p:sldId id="259" r:id="rId6"/>
+    <p:sldId id="258" r:id="rId7"/>
+    <p:sldId id="263" r:id="rId8"/>
+    <p:sldId id="267" r:id="rId9"/>
+    <p:sldId id="266" r:id="rId10"/>
+    <p:sldId id="272" r:id="rId11"/>
     <p:sldId id="269" r:id="rId12"/>
     <p:sldId id="265" r:id="rId13"/>
     <p:sldId id="260" r:id="rId14"/>
     <p:sldId id="261" r:id="rId15"/>
-    <p:sldId id="268" r:id="rId16"/>
-    <p:sldId id="270" r:id="rId17"/>
+    <p:sldId id="271" r:id="rId16"/>
+    <p:sldId id="268" r:id="rId17"/>
+    <p:sldId id="273" r:id="rId18"/>
+    <p:sldId id="270" r:id="rId19"/>
   </p:sldIdLst>
   <p:sldSz cx="12192000" cy="6858000"/>
   <p:notesSz cx="6858000" cy="9144000"/>
@@ -3645,7 +3647,7 @@
           <p:cNvPr id="2" name="Title 1">
             <a:extLst>
               <a:ext uri="{FF2B5EF4-FFF2-40B4-BE49-F238E27FC236}">
-                <a16:creationId xmlns:a16="http://schemas.microsoft.com/office/drawing/2014/main" id="{64FC729C-2200-28CD-9B24-611CB5925410}"/>
+                <a16:creationId xmlns:a16="http://schemas.microsoft.com/office/drawing/2014/main" id="{EC47C445-19A5-E344-F1C2-981D6BE81309}"/>
               </a:ext>
             </a:extLst>
           </p:cNvPr>
@@ -3653,7 +3655,7 @@
             <a:spLocks noGrp="1"/>
           </p:cNvSpPr>
           <p:nvPr>
-            <p:ph type="ctrTitle"/>
+            <p:ph type="title"/>
           </p:nvPr>
         </p:nvSpPr>
         <p:spPr/>
@@ -3663,17 +3665,17 @@
           <a:p>
             <a:r>
               <a:rPr lang="en-US" dirty="0"/>
-              <a:t>Functions</a:t>
-            </a:r>
-          </a:p>
-        </p:txBody>
-      </p:sp>
-      <p:sp>
-        <p:nvSpPr>
-          <p:cNvPr id="3" name="Subtitle 2">
+              <a:t>Housekeeping</a:t>
+            </a:r>
+          </a:p>
+        </p:txBody>
+      </p:sp>
+      <p:sp>
+        <p:nvSpPr>
+          <p:cNvPr id="3" name="Content Placeholder 2">
             <a:extLst>
               <a:ext uri="{FF2B5EF4-FFF2-40B4-BE49-F238E27FC236}">
-                <a16:creationId xmlns:a16="http://schemas.microsoft.com/office/drawing/2014/main" id="{6EC5F516-9A7A-E4D2-E4DE-1562F9BEF372}"/>
+                <a16:creationId xmlns:a16="http://schemas.microsoft.com/office/drawing/2014/main" id="{21B8B5EB-2998-8E73-B8F6-8350443DD2FB}"/>
               </a:ext>
             </a:extLst>
           </p:cNvPr>
@@ -3681,22 +3683,101 @@
             <a:spLocks noGrp="1"/>
           </p:cNvSpPr>
           <p:nvPr>
-            <p:ph type="subTitle" idx="1"/>
-          </p:nvPr>
-        </p:nvSpPr>
-        <p:spPr/>
-        <p:txBody>
-          <a:bodyPr/>
-          <a:lstStyle/>
-          <a:p>
-            <a:endParaRPr lang="en-US" dirty="0"/>
+            <p:ph idx="1"/>
+          </p:nvPr>
+        </p:nvSpPr>
+        <p:spPr>
+          <a:xfrm>
+            <a:off x="742385" y="1853754"/>
+            <a:ext cx="11316832" cy="4199727"/>
+          </a:xfrm>
+        </p:spPr>
+        <p:txBody>
+          <a:bodyPr>
+            <a:normAutofit/>
+          </a:bodyPr>
+          <a:lstStyle/>
+          <a:p>
+            <a:r>
+              <a:rPr lang="en-US" dirty="0"/>
+              <a:t>Thus far..</a:t>
+            </a:r>
+          </a:p>
+          <a:p>
+            <a:pPr lvl="1"/>
+            <a:r>
+              <a:rPr lang="en-US" dirty="0"/>
+              <a:t>Variables, conditional execution (if/else/</a:t>
+            </a:r>
+            <a:r>
+              <a:rPr lang="en-US" dirty="0" err="1"/>
+              <a:t>elif</a:t>
+            </a:r>
+            <a:r>
+              <a:rPr lang="en-US" dirty="0"/>
+              <a:t>), data structures, loops. </a:t>
+            </a:r>
+          </a:p>
+          <a:p>
+            <a:pPr lvl="1"/>
+            <a:r>
+              <a:rPr lang="en-US" dirty="0"/>
+              <a:t>Slides in GitHub</a:t>
+            </a:r>
+          </a:p>
+          <a:p>
+            <a:r>
+              <a:rPr lang="en-US" dirty="0"/>
+              <a:t>Today:</a:t>
+            </a:r>
+          </a:p>
+          <a:p>
+            <a:pPr lvl="1"/>
+            <a:r>
+              <a:rPr lang="en-US" dirty="0"/>
+              <a:t>Functions – more details to fill in the context. (P4E Chapter 4)</a:t>
+            </a:r>
+          </a:p>
+          <a:p>
+            <a:pPr lvl="1"/>
+            <a:r>
+              <a:rPr lang="en-US" dirty="0"/>
+              <a:t>Reading from files on disk. (Read P4E Ch7, except 7.7. This part is more for context than critical knowledge.)</a:t>
+            </a:r>
+          </a:p>
+          <a:p>
+            <a:pPr lvl="2"/>
+            <a:r>
+              <a:rPr lang="en-US" dirty="0"/>
+              <a:t>“Direct” file access now.</a:t>
+            </a:r>
+          </a:p>
+          <a:p>
+            <a:pPr lvl="2"/>
+            <a:r>
+              <a:rPr lang="en-US" dirty="0"/>
+              <a:t>Next week we’ll look at the “data science” way to read data, that we normally use. </a:t>
+            </a:r>
+          </a:p>
+          <a:p>
+            <a:pPr lvl="2"/>
+            <a:r>
+              <a:rPr lang="en-US" dirty="0"/>
+              <a:t>This is pretty easy and simple, and needed for lab 1. </a:t>
+            </a:r>
+          </a:p>
+          <a:p>
+            <a:r>
+              <a:rPr lang="en-US" dirty="0"/>
+              <a:t>P4E exercises – each chapter has some (mostly easy) exercises. Good practice…</a:t>
+            </a:r>
           </a:p>
         </p:txBody>
       </p:sp>
     </p:spTree>
     <p:extLst>
       <p:ext uri="{BB962C8B-B14F-4D97-AF65-F5344CB8AC3E}">
-        <p14:creationId xmlns:p14="http://schemas.microsoft.com/office/powerpoint/2010/main" val="3767398727"/>
+        <p14:creationId xmlns:p14="http://schemas.microsoft.com/office/powerpoint/2010/main" val="2376184393"/>
       </p:ext>
     </p:extLst>
   </p:cSld>
@@ -3728,7 +3809,7 @@
           <p:cNvPr id="2" name="Title 1">
             <a:extLst>
               <a:ext uri="{FF2B5EF4-FFF2-40B4-BE49-F238E27FC236}">
-                <a16:creationId xmlns:a16="http://schemas.microsoft.com/office/drawing/2014/main" id="{A2BEFD95-22C4-2B91-1ABB-1DC1C962873E}"/>
+                <a16:creationId xmlns:a16="http://schemas.microsoft.com/office/drawing/2014/main" id="{6B009688-9891-99C1-19EF-2EAB7D837770}"/>
               </a:ext>
             </a:extLst>
           </p:cNvPr>
@@ -3746,7 +3827,7 @@
           <a:p>
             <a:r>
               <a:rPr lang="en-US" dirty="0"/>
-              <a:t>Files and Input</a:t>
+              <a:t>Variable Scope and You</a:t>
             </a:r>
           </a:p>
         </p:txBody>
@@ -3756,7 +3837,7 @@
           <p:cNvPr id="3" name="Content Placeholder 2">
             <a:extLst>
               <a:ext uri="{FF2B5EF4-FFF2-40B4-BE49-F238E27FC236}">
-                <a16:creationId xmlns:a16="http://schemas.microsoft.com/office/drawing/2014/main" id="{A90023B5-03C2-4FDB-614F-691A31009647}"/>
+                <a16:creationId xmlns:a16="http://schemas.microsoft.com/office/drawing/2014/main" id="{6DFBDB0A-228B-8794-2EF8-A2E0FDEB8617}"/>
               </a:ext>
             </a:extLst>
           </p:cNvPr>
@@ -3767,19 +3848,75 @@
             <p:ph idx="1"/>
           </p:nvPr>
         </p:nvSpPr>
-        <p:spPr/>
+        <p:spPr>
+          <a:xfrm>
+            <a:off x="1451579" y="2015732"/>
+            <a:ext cx="9603275" cy="4037749"/>
+          </a:xfrm>
+        </p:spPr>
         <p:txBody>
           <a:bodyPr/>
           <a:lstStyle/>
           <a:p>
-            <a:endParaRPr lang="en-US"/>
+            <a:r>
+              <a:rPr lang="en-US" dirty="0"/>
+              <a:t>A rule of thumb is that a variable is visible only “inside” the thing it is declared in. </a:t>
+            </a:r>
+          </a:p>
+          <a:p>
+            <a:r>
+              <a:rPr lang="en-US" dirty="0"/>
+              <a:t>For example:</a:t>
+            </a:r>
+          </a:p>
+          <a:p>
+            <a:pPr lvl="1"/>
+            <a:r>
+              <a:rPr lang="en-US" dirty="0"/>
+              <a:t>A “normal” variable is “in” the program, so we see it everywhere. </a:t>
+            </a:r>
+          </a:p>
+          <a:p>
+            <a:pPr lvl="1"/>
+            <a:r>
+              <a:rPr lang="en-US" dirty="0"/>
+              <a:t>A variable inside a function is visible in that function. </a:t>
+            </a:r>
+          </a:p>
+          <a:p>
+            <a:pPr lvl="1"/>
+            <a:r>
+              <a:rPr lang="en-US" dirty="0"/>
+              <a:t>(Later) A variable inside a class is visible in that class. </a:t>
+            </a:r>
+          </a:p>
+          <a:p>
+            <a:r>
+              <a:rPr lang="en-US" dirty="0"/>
+              <a:t>Reusing variable names and relying on scope works, but has risk. </a:t>
+            </a:r>
+          </a:p>
+          <a:p>
+            <a:pPr lvl="1"/>
+            <a:r>
+              <a:rPr lang="en-US" dirty="0"/>
+              <a:t>Counter_1, counter_2, </a:t>
+            </a:r>
+            <a:r>
+              <a:rPr lang="en-US" dirty="0" err="1"/>
+              <a:t>etc</a:t>
+            </a:r>
+            <a:r>
+              <a:rPr lang="en-US" dirty="0"/>
+              <a:t>… is probably better than being confused on what counter is. </a:t>
+            </a:r>
           </a:p>
         </p:txBody>
       </p:sp>
     </p:spTree>
     <p:extLst>
       <p:ext uri="{BB962C8B-B14F-4D97-AF65-F5344CB8AC3E}">
-        <p14:creationId xmlns:p14="http://schemas.microsoft.com/office/powerpoint/2010/main" val="1330127188"/>
+        <p14:creationId xmlns:p14="http://schemas.microsoft.com/office/powerpoint/2010/main" val="1520565066"/>
       </p:ext>
     </p:extLst>
   </p:cSld>
@@ -4371,6 +4508,30 @@
 <file path=ppt/slides/slide15.xml><?xml version="1.0" encoding="utf-8"?>
 <p:sld xmlns:a="http://schemas.openxmlformats.org/drawingml/2006/main" xmlns:r="http://schemas.openxmlformats.org/officeDocument/2006/relationships" xmlns:p="http://schemas.openxmlformats.org/presentationml/2006/main">
   <p:cSld>
+    <p:bg>
+      <p:bgPr>
+        <a:gradFill rotWithShape="1">
+          <a:gsLst>
+            <a:gs pos="0">
+              <a:schemeClr val="bg2">
+                <a:tint val="94000"/>
+                <a:satMod val="80000"/>
+                <a:lumMod val="106000"/>
+              </a:schemeClr>
+            </a:gs>
+            <a:gs pos="100000">
+              <a:schemeClr val="bg2">
+                <a:shade val="80000"/>
+              </a:schemeClr>
+            </a:gs>
+          </a:gsLst>
+          <a:path path="circle">
+            <a:fillToRect l="43000" r="43000" b="100000"/>
+          </a:path>
+        </a:gradFill>
+        <a:effectLst/>
+      </p:bgPr>
+    </p:bg>
     <p:spTree>
       <p:nvGrpSpPr>
         <p:cNvPr id="1" name=""/>
@@ -4387,10 +4548,363 @@
       </p:grpSpPr>
       <p:sp>
         <p:nvSpPr>
+          <p:cNvPr id="10" name="Rectangle 9">
+            <a:extLst>
+              <a:ext uri="{FF2B5EF4-FFF2-40B4-BE49-F238E27FC236}">
+                <a16:creationId xmlns:a16="http://schemas.microsoft.com/office/drawing/2014/main" id="{0CABCAE3-64FC-4149-819F-2C1812824154}"/>
+              </a:ext>
+              <a:ext uri="{C183D7F6-B498-43B3-948B-1728B52AA6E4}">
+                <adec:decorative xmlns:adec="http://schemas.microsoft.com/office/drawing/2017/decorative" val="1"/>
+              </a:ext>
+            </a:extLst>
+          </p:cNvPr>
+          <p:cNvSpPr>
+            <a:spLocks noGrp="1" noRot="1" noChangeAspect="1" noMove="1" noResize="1" noEditPoints="1" noAdjustHandles="1" noChangeArrowheads="1" noChangeShapeType="1" noTextEdit="1"/>
+          </p:cNvSpPr>
+          <p:nvPr>
+            <p:extLst>
+              <p:ext uri="{386F3935-93C4-4BCD-93E2-E3B085C9AB24}">
+                <p16:designElem xmlns:p16="http://schemas.microsoft.com/office/powerpoint/2015/main" val="1"/>
+              </p:ext>
+            </p:extLst>
+          </p:nvPr>
+        </p:nvSpPr>
+        <p:spPr>
+          <a:xfrm>
+            <a:off x="0" y="2019476"/>
+            <a:ext cx="12192000" cy="4105941"/>
+          </a:xfrm>
+          <a:prstGeom prst="rect">
+            <a:avLst/>
+          </a:prstGeom>
+          <a:gradFill flip="none" rotWithShape="1">
+            <a:gsLst>
+              <a:gs pos="0">
+                <a:schemeClr val="bg2">
+                  <a:alpha val="0"/>
+                </a:schemeClr>
+              </a:gs>
+              <a:gs pos="100000">
+                <a:schemeClr val="bg2"/>
+              </a:gs>
+            </a:gsLst>
+            <a:lin ang="5400000" scaled="0"/>
+            <a:tileRect/>
+          </a:gradFill>
+          <a:ln>
+            <a:noFill/>
+          </a:ln>
+        </p:spPr>
+        <p:style>
+          <a:lnRef idx="2">
+            <a:schemeClr val="accent1">
+              <a:shade val="50000"/>
+            </a:schemeClr>
+          </a:lnRef>
+          <a:fillRef idx="1">
+            <a:schemeClr val="accent1"/>
+          </a:fillRef>
+          <a:effectRef idx="0">
+            <a:schemeClr val="accent1"/>
+          </a:effectRef>
+          <a:fontRef idx="minor">
+            <a:schemeClr val="lt1"/>
+          </a:fontRef>
+        </p:style>
+        <p:txBody>
+          <a:bodyPr/>
+          <a:lstStyle/>
+          <a:p>
+            <a:endParaRPr lang="en-US"/>
+          </a:p>
+        </p:txBody>
+      </p:sp>
+      <p:pic>
+        <p:nvPicPr>
+          <p:cNvPr id="12" name="Picture 11">
+            <a:extLst>
+              <a:ext uri="{FF2B5EF4-FFF2-40B4-BE49-F238E27FC236}">
+                <a16:creationId xmlns:a16="http://schemas.microsoft.com/office/drawing/2014/main" id="{012FDCFE-9AD2-4D8A-8CBF-B3AA37EBF6DD}"/>
+              </a:ext>
+              <a:ext uri="{C183D7F6-B498-43B3-948B-1728B52AA6E4}">
+                <adec:decorative xmlns:adec="http://schemas.microsoft.com/office/drawing/2017/decorative" val="1"/>
+              </a:ext>
+            </a:extLst>
+          </p:cNvPr>
+          <p:cNvPicPr>
+            <a:picLocks noGrp="1" noRot="1" noChangeAspect="1" noMove="1" noResize="1" noEditPoints="1" noAdjustHandles="1" noChangeArrowheads="1" noChangeShapeType="1" noCrop="1"/>
+          </p:cNvPicPr>
+          <p:nvPr>
+            <p:extLst>
+              <p:ext uri="{386F3935-93C4-4BCD-93E2-E3B085C9AB24}">
+                <p16:designElem xmlns:p16="http://schemas.microsoft.com/office/powerpoint/2015/main" val="1"/>
+              </p:ext>
+            </p:extLst>
+          </p:nvPr>
+        </p:nvPicPr>
+        <p:blipFill rotWithShape="1">
+          <a:blip r:embed="rId2">
+            <a:extLst>
+              <a:ext uri="{28A0092B-C50C-407E-A947-70E740481C1C}">
+                <a14:useLocalDpi xmlns:a14="http://schemas.microsoft.com/office/drawing/2010/main" val="0"/>
+              </a:ext>
+            </a:extLst>
+          </a:blip>
+          <a:srcRect t="1538" b="-1538"/>
+          <a:stretch/>
+        </p:blipFill>
+        <p:spPr bwMode="black">
+          <a:xfrm>
+            <a:off x="0" y="6126480"/>
+            <a:ext cx="12192000" cy="742950"/>
+          </a:xfrm>
+          <a:prstGeom prst="rect">
+            <a:avLst/>
+          </a:prstGeom>
+        </p:spPr>
+      </p:pic>
+      <p:cxnSp>
+        <p:nvCxnSpPr>
+          <p:cNvPr id="14" name="Straight Connector 13">
+            <a:extLst>
+              <a:ext uri="{FF2B5EF4-FFF2-40B4-BE49-F238E27FC236}">
+                <a16:creationId xmlns:a16="http://schemas.microsoft.com/office/drawing/2014/main" id="{FBD463FC-4CA8-4FF4-85A3-AF9F4B98D210}"/>
+              </a:ext>
+              <a:ext uri="{C183D7F6-B498-43B3-948B-1728B52AA6E4}">
+                <adec:decorative xmlns:adec="http://schemas.microsoft.com/office/drawing/2017/decorative" val="1"/>
+              </a:ext>
+            </a:extLst>
+          </p:cNvPr>
+          <p:cNvCxnSpPr>
+            <a:cxnSpLocks noGrp="1" noRot="1" noChangeAspect="1" noMove="1" noResize="1" noEditPoints="1" noAdjustHandles="1" noChangeArrowheads="1" noChangeShapeType="1"/>
+          </p:cNvCxnSpPr>
+          <p:nvPr>
+            <p:extLst>
+              <p:ext uri="{386F3935-93C4-4BCD-93E2-E3B085C9AB24}">
+                <p16:designElem xmlns:p16="http://schemas.microsoft.com/office/powerpoint/2015/main" val="1"/>
+              </p:ext>
+            </p:extLst>
+          </p:nvPr>
+        </p:nvCxnSpPr>
+        <p:spPr>
+          <a:xfrm>
+            <a:off x="0" y="6128413"/>
+            <a:ext cx="12192000" cy="0"/>
+          </a:xfrm>
+          <a:prstGeom prst="line">
+            <a:avLst/>
+          </a:prstGeom>
+          <a:ln w="12700">
+            <a:solidFill>
+              <a:srgbClr val="000001">
+                <a:alpha val="20000"/>
+              </a:srgbClr>
+            </a:solidFill>
+          </a:ln>
+        </p:spPr>
+        <p:style>
+          <a:lnRef idx="1">
+            <a:schemeClr val="accent1"/>
+          </a:lnRef>
+          <a:fillRef idx="0">
+            <a:schemeClr val="accent1"/>
+          </a:fillRef>
+          <a:effectRef idx="0">
+            <a:schemeClr val="accent1"/>
+          </a:effectRef>
+          <a:fontRef idx="minor">
+            <a:schemeClr val="tx1"/>
+          </a:fontRef>
+        </p:style>
+      </p:cxnSp>
+      <p:cxnSp>
+        <p:nvCxnSpPr>
+          <p:cNvPr id="16" name="Straight Connector 15">
+            <a:extLst>
+              <a:ext uri="{FF2B5EF4-FFF2-40B4-BE49-F238E27FC236}">
+                <a16:creationId xmlns:a16="http://schemas.microsoft.com/office/drawing/2014/main" id="{BECF35C3-8B44-4F4B-BD25-4C01823DB22A}"/>
+              </a:ext>
+              <a:ext uri="{C183D7F6-B498-43B3-948B-1728B52AA6E4}">
+                <adec:decorative xmlns:adec="http://schemas.microsoft.com/office/drawing/2017/decorative" val="1"/>
+              </a:ext>
+            </a:extLst>
+          </p:cNvPr>
+          <p:cNvCxnSpPr>
+            <a:cxnSpLocks noGrp="1" noRot="1" noChangeAspect="1" noMove="1" noResize="1" noEditPoints="1" noAdjustHandles="1" noChangeArrowheads="1" noChangeShapeType="1"/>
+          </p:cNvCxnSpPr>
+          <p:nvPr>
+            <p:extLst>
+              <p:ext uri="{386F3935-93C4-4BCD-93E2-E3B085C9AB24}">
+                <p16:designElem xmlns:p16="http://schemas.microsoft.com/office/powerpoint/2015/main" val="1"/>
+              </p:ext>
+            </p:extLst>
+          </p:nvPr>
+        </p:nvCxnSpPr>
+        <p:spPr>
+          <a:xfrm>
+            <a:off x="2417780" y="3528542"/>
+            <a:ext cx="8637072" cy="0"/>
+          </a:xfrm>
+          <a:prstGeom prst="line">
+            <a:avLst/>
+          </a:prstGeom>
+          <a:ln w="31750"/>
+        </p:spPr>
+        <p:style>
+          <a:lnRef idx="3">
+            <a:schemeClr val="accent1"/>
+          </a:lnRef>
+          <a:fillRef idx="0">
+            <a:schemeClr val="accent1"/>
+          </a:fillRef>
+          <a:effectRef idx="2">
+            <a:schemeClr val="accent1"/>
+          </a:effectRef>
+          <a:fontRef idx="minor">
+            <a:schemeClr val="tx1"/>
+          </a:fontRef>
+        </p:style>
+      </p:cxnSp>
+      <p:sp useBgFill="1">
+        <p:nvSpPr>
+          <p:cNvPr id="18" name="Rectangle 17">
+            <a:extLst>
+              <a:ext uri="{FF2B5EF4-FFF2-40B4-BE49-F238E27FC236}">
+                <a16:creationId xmlns:a16="http://schemas.microsoft.com/office/drawing/2014/main" id="{D0712110-0BC1-4B31-B3BB-63B44222E87F}"/>
+              </a:ext>
+              <a:ext uri="{C183D7F6-B498-43B3-948B-1728B52AA6E4}">
+                <adec:decorative xmlns:adec="http://schemas.microsoft.com/office/drawing/2017/decorative" val="1"/>
+              </a:ext>
+            </a:extLst>
+          </p:cNvPr>
+          <p:cNvSpPr>
+            <a:spLocks noGrp="1" noRot="1" noChangeAspect="1" noMove="1" noResize="1" noEditPoints="1" noAdjustHandles="1" noChangeArrowheads="1" noChangeShapeType="1" noTextEdit="1"/>
+          </p:cNvSpPr>
+          <p:nvPr>
+            <p:extLst>
+              <p:ext uri="{386F3935-93C4-4BCD-93E2-E3B085C9AB24}">
+                <p16:designElem xmlns:p16="http://schemas.microsoft.com/office/powerpoint/2015/main" val="1"/>
+              </p:ext>
+            </p:extLst>
+          </p:nvPr>
+        </p:nvSpPr>
+        <p:spPr>
+          <a:xfrm>
+            <a:off x="2" y="0"/>
+            <a:ext cx="12191695" cy="6858000"/>
+          </a:xfrm>
+          <a:prstGeom prst="rect">
+            <a:avLst/>
+          </a:prstGeom>
+          <a:ln>
+            <a:noFill/>
+          </a:ln>
+        </p:spPr>
+        <p:style>
+          <a:lnRef idx="2">
+            <a:schemeClr val="accent1">
+              <a:shade val="50000"/>
+            </a:schemeClr>
+          </a:lnRef>
+          <a:fillRef idx="1">
+            <a:schemeClr val="accent1"/>
+          </a:fillRef>
+          <a:effectRef idx="0">
+            <a:schemeClr val="accent1"/>
+          </a:effectRef>
+          <a:fontRef idx="minor">
+            <a:schemeClr val="lt1"/>
+          </a:fontRef>
+        </p:style>
+        <p:txBody>
+          <a:bodyPr rtlCol="0" anchor="ctr"/>
+          <a:lstStyle/>
+          <a:p>
+            <a:pPr algn="ctr"/>
+            <a:endParaRPr lang="en-US"/>
+          </a:p>
+        </p:txBody>
+      </p:sp>
+      <p:sp>
+        <p:nvSpPr>
+          <p:cNvPr id="20" name="Rectangle 19">
+            <a:extLst>
+              <a:ext uri="{FF2B5EF4-FFF2-40B4-BE49-F238E27FC236}">
+                <a16:creationId xmlns:a16="http://schemas.microsoft.com/office/drawing/2014/main" id="{4466B5F3-C053-4580-B04A-1EF949888280}"/>
+              </a:ext>
+              <a:ext uri="{C183D7F6-B498-43B3-948B-1728B52AA6E4}">
+                <adec:decorative xmlns:adec="http://schemas.microsoft.com/office/drawing/2017/decorative" val="1"/>
+              </a:ext>
+            </a:extLst>
+          </p:cNvPr>
+          <p:cNvSpPr>
+            <a:spLocks noGrp="1" noRot="1" noChangeAspect="1" noMove="1" noResize="1" noEditPoints="1" noAdjustHandles="1" noChangeArrowheads="1" noChangeShapeType="1" noTextEdit="1"/>
+          </p:cNvSpPr>
+          <p:nvPr>
+            <p:extLst>
+              <p:ext uri="{386F3935-93C4-4BCD-93E2-E3B085C9AB24}">
+                <p16:designElem xmlns:p16="http://schemas.microsoft.com/office/powerpoint/2015/main" val="1"/>
+              </p:ext>
+            </p:extLst>
+          </p:nvPr>
+        </p:nvSpPr>
+        <p:spPr>
+          <a:xfrm>
+            <a:off x="0" y="2019476"/>
+            <a:ext cx="12192000" cy="4105941"/>
+          </a:xfrm>
+          <a:prstGeom prst="rect">
+            <a:avLst/>
+          </a:prstGeom>
+          <a:gradFill flip="none" rotWithShape="1">
+            <a:gsLst>
+              <a:gs pos="0">
+                <a:schemeClr val="bg2">
+                  <a:alpha val="0"/>
+                </a:schemeClr>
+              </a:gs>
+              <a:gs pos="100000">
+                <a:schemeClr val="bg2"/>
+              </a:gs>
+            </a:gsLst>
+            <a:lin ang="5400000" scaled="0"/>
+            <a:tileRect/>
+          </a:gradFill>
+          <a:ln>
+            <a:noFill/>
+          </a:ln>
+        </p:spPr>
+        <p:style>
+          <a:lnRef idx="2">
+            <a:schemeClr val="accent1">
+              <a:shade val="50000"/>
+            </a:schemeClr>
+          </a:lnRef>
+          <a:fillRef idx="1">
+            <a:schemeClr val="accent1"/>
+          </a:fillRef>
+          <a:effectRef idx="0">
+            <a:schemeClr val="accent1"/>
+          </a:effectRef>
+          <a:fontRef idx="minor">
+            <a:schemeClr val="lt1"/>
+          </a:fontRef>
+        </p:style>
+        <p:txBody>
+          <a:bodyPr rtlCol="0" anchor="ctr"/>
+          <a:lstStyle/>
+          <a:p>
+            <a:pPr lvl="0" algn="ctr"/>
+            <a:endParaRPr lang="en-US"/>
+          </a:p>
+        </p:txBody>
+      </p:sp>
+      <p:sp>
+        <p:nvSpPr>
           <p:cNvPr id="2" name="Title 1">
             <a:extLst>
               <a:ext uri="{FF2B5EF4-FFF2-40B4-BE49-F238E27FC236}">
-                <a16:creationId xmlns:a16="http://schemas.microsoft.com/office/drawing/2014/main" id="{71DEE9F4-4244-83A2-452B-55EC6330A992}"/>
+                <a16:creationId xmlns:a16="http://schemas.microsoft.com/office/drawing/2014/main" id="{A2BEFD95-22C4-2B91-1ABB-1DC1C962873E}"/>
               </a:ext>
             </a:extLst>
           </p:cNvPr>
@@ -4401,111 +4915,214 @@
             <p:ph type="title"/>
           </p:nvPr>
         </p:nvSpPr>
-        <p:spPr/>
-        <p:txBody>
-          <a:bodyPr/>
-          <a:lstStyle/>
-          <a:p>
-            <a:r>
-              <a:rPr lang="en-US" dirty="0"/>
-              <a:t>Interacting with Local Data</a:t>
-            </a:r>
-          </a:p>
-        </p:txBody>
-      </p:sp>
-      <p:sp>
-        <p:nvSpPr>
-          <p:cNvPr id="3" name="Content Placeholder 2">
+        <p:spPr>
+          <a:xfrm>
+            <a:off x="1452616" y="962902"/>
+            <a:ext cx="4176384" cy="2380828"/>
+          </a:xfrm>
+        </p:spPr>
+        <p:txBody>
+          <a:bodyPr vert="horz" lIns="91440" tIns="45720" rIns="91440" bIns="0" rtlCol="0" anchor="b">
+            <a:normAutofit/>
+          </a:bodyPr>
+          <a:lstStyle/>
+          <a:p>
+            <a:r>
+              <a:rPr lang="en-US" sz="4800"/>
+              <a:t>Files and Input</a:t>
+            </a:r>
+          </a:p>
+        </p:txBody>
+      </p:sp>
+      <p:cxnSp>
+        <p:nvCxnSpPr>
+          <p:cNvPr id="22" name="Straight Connector 21">
             <a:extLst>
               <a:ext uri="{FF2B5EF4-FFF2-40B4-BE49-F238E27FC236}">
-                <a16:creationId xmlns:a16="http://schemas.microsoft.com/office/drawing/2014/main" id="{008353FC-041D-72A4-A2E3-B8A1A4B1B3D5}"/>
+                <a16:creationId xmlns:a16="http://schemas.microsoft.com/office/drawing/2014/main" id="{FA6123F2-4B61-414F-A7E5-5B7828EACAE2}"/>
+              </a:ext>
+              <a:ext uri="{C183D7F6-B498-43B3-948B-1728B52AA6E4}">
+                <adec:decorative xmlns:adec="http://schemas.microsoft.com/office/drawing/2017/decorative" val="1"/>
               </a:ext>
             </a:extLst>
           </p:cNvPr>
-          <p:cNvSpPr>
-            <a:spLocks noGrp="1"/>
-          </p:cNvSpPr>
-          <p:nvPr>
-            <p:ph idx="1"/>
-          </p:nvPr>
-        </p:nvSpPr>
+          <p:cNvCxnSpPr>
+            <a:cxnSpLocks noGrp="1" noRot="1" noChangeAspect="1" noMove="1" noResize="1" noEditPoints="1" noAdjustHandles="1" noChangeArrowheads="1" noChangeShapeType="1"/>
+          </p:cNvCxnSpPr>
+          <p:nvPr>
+            <p:extLst>
+              <p:ext uri="{386F3935-93C4-4BCD-93E2-E3B085C9AB24}">
+                <p16:designElem xmlns:p16="http://schemas.microsoft.com/office/powerpoint/2015/main" val="1"/>
+              </p:ext>
+            </p:extLst>
+          </p:nvPr>
+        </p:nvCxnSpPr>
         <p:spPr>
           <a:xfrm>
-            <a:off x="1137147" y="1853754"/>
-            <a:ext cx="10268044" cy="4306041"/>
+            <a:off x="1452617" y="3528543"/>
+            <a:ext cx="4171479" cy="0"/>
           </a:xfrm>
+          <a:prstGeom prst="line">
+            <a:avLst/>
+          </a:prstGeom>
+          <a:ln w="31750"/>
         </p:spPr>
-        <p:txBody>
-          <a:bodyPr>
-            <a:normAutofit lnSpcReduction="10000"/>
-          </a:bodyPr>
-          <a:lstStyle/>
-          <a:p>
-            <a:r>
-              <a:rPr lang="en-US" dirty="0"/>
-              <a:t>Our Python programs normally run within their environment. </a:t>
-            </a:r>
-          </a:p>
-          <a:p>
-            <a:pPr lvl="1"/>
-            <a:r>
-              <a:rPr lang="en-US" dirty="0"/>
-              <a:t>We can “reach out” to interact with the underlying computer. </a:t>
-            </a:r>
-          </a:p>
-          <a:p>
-            <a:r>
-              <a:rPr lang="en-US" dirty="0"/>
-              <a:t>Each operating system provides some API (application programming interface) that offers a way for a “normal” program to interact with an underlying system. </a:t>
-            </a:r>
-          </a:p>
-          <a:p>
-            <a:pPr lvl="1"/>
-            <a:r>
-              <a:rPr lang="en-US" dirty="0"/>
-              <a:t>For programs the load/save stuff, they connect to the API for file access. </a:t>
-            </a:r>
-          </a:p>
-          <a:p>
-            <a:pPr lvl="1"/>
-            <a:r>
-              <a:rPr lang="en-US" dirty="0"/>
-              <a:t>For programs that have a GUI, they connect to the API for keyboard/mouse inputs. </a:t>
-            </a:r>
-          </a:p>
-          <a:p>
-            <a:pPr lvl="1"/>
-            <a:r>
-              <a:rPr lang="en-US" dirty="0"/>
-              <a:t>For programs that use networks, they connect to the API for network access. </a:t>
-            </a:r>
-          </a:p>
-          <a:p>
-            <a:r>
-              <a:rPr lang="en-US" dirty="0"/>
-              <a:t>Each OS provides the implementation, so the details are abstracted away. </a:t>
-            </a:r>
-          </a:p>
-          <a:p>
-            <a:pPr lvl="1"/>
-            <a:r>
-              <a:rPr lang="en-US" dirty="0"/>
-              <a:t>Note: Python is a very “high-level” language, meaning it is detached from the actions a computer actually takes. This allows for it to be more human friendly. </a:t>
-            </a:r>
-          </a:p>
-          <a:p>
-            <a:pPr lvl="1"/>
-            <a:r>
-              <a:rPr lang="en-US" dirty="0"/>
-              <a:t>Other languages (like C) force you to do more work on the details – like manually managing RAM</a:t>
-            </a:r>
-          </a:p>
-        </p:txBody>
-      </p:sp>
+        <p:style>
+          <a:lnRef idx="3">
+            <a:schemeClr val="accent1"/>
+          </a:lnRef>
+          <a:fillRef idx="0">
+            <a:schemeClr val="accent1"/>
+          </a:fillRef>
+          <a:effectRef idx="2">
+            <a:schemeClr val="accent1"/>
+          </a:effectRef>
+          <a:fontRef idx="minor">
+            <a:schemeClr val="tx1"/>
+          </a:fontRef>
+        </p:style>
+      </p:cxnSp>
+      <p:pic>
+        <p:nvPicPr>
+          <p:cNvPr id="7" name="Graphic 6" descr="Open Folder">
+            <a:extLst>
+              <a:ext uri="{FF2B5EF4-FFF2-40B4-BE49-F238E27FC236}">
+                <a16:creationId xmlns:a16="http://schemas.microsoft.com/office/drawing/2014/main" id="{5CCAFC62-192E-5CCF-279F-BBCDB02954D4}"/>
+              </a:ext>
+            </a:extLst>
+          </p:cNvPr>
+          <p:cNvPicPr>
+            <a:picLocks noChangeAspect="1"/>
+          </p:cNvPicPr>
+          <p:nvPr/>
+        </p:nvPicPr>
+        <p:blipFill>
+          <a:blip r:embed="rId3">
+            <a:extLst>
+              <a:ext uri="{28A0092B-C50C-407E-A947-70E740481C1C}">
+                <a14:useLocalDpi xmlns:a14="http://schemas.microsoft.com/office/drawing/2010/main" val="0"/>
+              </a:ext>
+              <a:ext uri="{96DAC541-7B7A-43D3-8B79-37D633B846F1}">
+                <asvg:svgBlip xmlns:asvg="http://schemas.microsoft.com/office/drawing/2016/SVG/main" r:embed="rId4"/>
+              </a:ext>
+            </a:extLst>
+          </a:blip>
+          <a:stretch>
+            <a:fillRect/>
+          </a:stretch>
+        </p:blipFill>
+        <p:spPr>
+          <a:xfrm>
+            <a:off x="6244251" y="805583"/>
+            <a:ext cx="4660762" cy="4660762"/>
+          </a:xfrm>
+          <a:prstGeom prst="rect">
+            <a:avLst/>
+          </a:prstGeom>
+        </p:spPr>
+      </p:pic>
+      <p:pic>
+        <p:nvPicPr>
+          <p:cNvPr id="24" name="Picture 23">
+            <a:extLst>
+              <a:ext uri="{FF2B5EF4-FFF2-40B4-BE49-F238E27FC236}">
+                <a16:creationId xmlns:a16="http://schemas.microsoft.com/office/drawing/2014/main" id="{25CED634-E2D0-4AB7-96DD-816C9B52C5CF}"/>
+              </a:ext>
+              <a:ext uri="{C183D7F6-B498-43B3-948B-1728B52AA6E4}">
+                <adec:decorative xmlns:adec="http://schemas.microsoft.com/office/drawing/2017/decorative" val="1"/>
+              </a:ext>
+            </a:extLst>
+          </p:cNvPr>
+          <p:cNvPicPr>
+            <a:picLocks noGrp="1" noRot="1" noChangeAspect="1" noMove="1" noResize="1" noEditPoints="1" noAdjustHandles="1" noChangeArrowheads="1" noChangeShapeType="1" noCrop="1"/>
+          </p:cNvPicPr>
+          <p:nvPr>
+            <p:extLst>
+              <p:ext uri="{386F3935-93C4-4BCD-93E2-E3B085C9AB24}">
+                <p16:designElem xmlns:p16="http://schemas.microsoft.com/office/powerpoint/2015/main" val="1"/>
+              </p:ext>
+            </p:extLst>
+          </p:nvPr>
+        </p:nvPicPr>
+        <p:blipFill rotWithShape="1">
+          <a:blip r:embed="rId2">
+            <a:extLst>
+              <a:ext uri="{28A0092B-C50C-407E-A947-70E740481C1C}">
+                <a14:useLocalDpi xmlns:a14="http://schemas.microsoft.com/office/drawing/2010/main" val="0"/>
+              </a:ext>
+            </a:extLst>
+          </a:blip>
+          <a:srcRect t="1538" b="-1538"/>
+          <a:stretch/>
+        </p:blipFill>
+        <p:spPr bwMode="black">
+          <a:xfrm>
+            <a:off x="0" y="6126480"/>
+            <a:ext cx="12192000" cy="742950"/>
+          </a:xfrm>
+          <a:prstGeom prst="rect">
+            <a:avLst/>
+          </a:prstGeom>
+        </p:spPr>
+      </p:pic>
+      <p:cxnSp>
+        <p:nvCxnSpPr>
+          <p:cNvPr id="26" name="Straight Connector 25">
+            <a:extLst>
+              <a:ext uri="{FF2B5EF4-FFF2-40B4-BE49-F238E27FC236}">
+                <a16:creationId xmlns:a16="http://schemas.microsoft.com/office/drawing/2014/main" id="{FCDDCDFB-696D-4FDF-9B58-24F71B7C37BC}"/>
+              </a:ext>
+              <a:ext uri="{C183D7F6-B498-43B3-948B-1728B52AA6E4}">
+                <adec:decorative xmlns:adec="http://schemas.microsoft.com/office/drawing/2017/decorative" val="1"/>
+              </a:ext>
+            </a:extLst>
+          </p:cNvPr>
+          <p:cNvCxnSpPr>
+            <a:cxnSpLocks noGrp="1" noRot="1" noChangeAspect="1" noMove="1" noResize="1" noEditPoints="1" noAdjustHandles="1" noChangeArrowheads="1" noChangeShapeType="1"/>
+          </p:cNvCxnSpPr>
+          <p:nvPr>
+            <p:extLst>
+              <p:ext uri="{386F3935-93C4-4BCD-93E2-E3B085C9AB24}">
+                <p16:designElem xmlns:p16="http://schemas.microsoft.com/office/powerpoint/2015/main" val="1"/>
+              </p:ext>
+            </p:extLst>
+          </p:nvPr>
+        </p:nvCxnSpPr>
+        <p:spPr>
+          <a:xfrm>
+            <a:off x="0" y="6128413"/>
+            <a:ext cx="12192000" cy="0"/>
+          </a:xfrm>
+          <a:prstGeom prst="line">
+            <a:avLst/>
+          </a:prstGeom>
+          <a:ln w="12700">
+            <a:solidFill>
+              <a:srgbClr val="000001">
+                <a:alpha val="20000"/>
+              </a:srgbClr>
+            </a:solidFill>
+          </a:ln>
+        </p:spPr>
+        <p:style>
+          <a:lnRef idx="1">
+            <a:schemeClr val="accent1"/>
+          </a:lnRef>
+          <a:fillRef idx="0">
+            <a:schemeClr val="accent1"/>
+          </a:fillRef>
+          <a:effectRef idx="0">
+            <a:schemeClr val="accent1"/>
+          </a:effectRef>
+          <a:fontRef idx="minor">
+            <a:schemeClr val="tx1"/>
+          </a:fontRef>
+        </p:style>
+      </p:cxnSp>
     </p:spTree>
     <p:extLst>
       <p:ext uri="{BB962C8B-B14F-4D97-AF65-F5344CB8AC3E}">
-        <p14:creationId xmlns:p14="http://schemas.microsoft.com/office/powerpoint/2010/main" val="2672653705"/>
+        <p14:creationId xmlns:p14="http://schemas.microsoft.com/office/powerpoint/2010/main" val="1330127188"/>
       </p:ext>
     </p:extLst>
   </p:cSld>
@@ -4537,6 +5154,280 @@
           <p:cNvPr id="2" name="Title 1">
             <a:extLst>
               <a:ext uri="{FF2B5EF4-FFF2-40B4-BE49-F238E27FC236}">
+                <a16:creationId xmlns:a16="http://schemas.microsoft.com/office/drawing/2014/main" id="{71DEE9F4-4244-83A2-452B-55EC6330A992}"/>
+              </a:ext>
+            </a:extLst>
+          </p:cNvPr>
+          <p:cNvSpPr>
+            <a:spLocks noGrp="1"/>
+          </p:cNvSpPr>
+          <p:nvPr>
+            <p:ph type="title"/>
+          </p:nvPr>
+        </p:nvSpPr>
+        <p:spPr/>
+        <p:txBody>
+          <a:bodyPr/>
+          <a:lstStyle/>
+          <a:p>
+            <a:r>
+              <a:rPr lang="en-US" dirty="0"/>
+              <a:t>Interacting with Local Data</a:t>
+            </a:r>
+          </a:p>
+        </p:txBody>
+      </p:sp>
+      <p:sp>
+        <p:nvSpPr>
+          <p:cNvPr id="3" name="Content Placeholder 2">
+            <a:extLst>
+              <a:ext uri="{FF2B5EF4-FFF2-40B4-BE49-F238E27FC236}">
+                <a16:creationId xmlns:a16="http://schemas.microsoft.com/office/drawing/2014/main" id="{008353FC-041D-72A4-A2E3-B8A1A4B1B3D5}"/>
+              </a:ext>
+            </a:extLst>
+          </p:cNvPr>
+          <p:cNvSpPr>
+            <a:spLocks noGrp="1"/>
+          </p:cNvSpPr>
+          <p:nvPr>
+            <p:ph idx="1"/>
+          </p:nvPr>
+        </p:nvSpPr>
+        <p:spPr>
+          <a:xfrm>
+            <a:off x="1137147" y="1853754"/>
+            <a:ext cx="10268044" cy="4306041"/>
+          </a:xfrm>
+        </p:spPr>
+        <p:txBody>
+          <a:bodyPr>
+            <a:normAutofit lnSpcReduction="10000"/>
+          </a:bodyPr>
+          <a:lstStyle/>
+          <a:p>
+            <a:r>
+              <a:rPr lang="en-US" dirty="0"/>
+              <a:t>Our Python programs normally run within their environment. </a:t>
+            </a:r>
+          </a:p>
+          <a:p>
+            <a:pPr lvl="1"/>
+            <a:r>
+              <a:rPr lang="en-US" dirty="0"/>
+              <a:t>We can “reach out” to interact with the underlying computer. </a:t>
+            </a:r>
+          </a:p>
+          <a:p>
+            <a:r>
+              <a:rPr lang="en-US" dirty="0"/>
+              <a:t>Each operating system provides some API (application programming interface) that offers a way for a “normal” program to interact with an underlying system. </a:t>
+            </a:r>
+          </a:p>
+          <a:p>
+            <a:pPr lvl="1"/>
+            <a:r>
+              <a:rPr lang="en-US" dirty="0"/>
+              <a:t>For programs the load/save stuff, they connect to the API for file access. </a:t>
+            </a:r>
+          </a:p>
+          <a:p>
+            <a:pPr lvl="1"/>
+            <a:r>
+              <a:rPr lang="en-US" dirty="0"/>
+              <a:t>For programs that have a GUI, they connect to the API for keyboard/mouse inputs. </a:t>
+            </a:r>
+          </a:p>
+          <a:p>
+            <a:pPr lvl="1"/>
+            <a:r>
+              <a:rPr lang="en-US" dirty="0"/>
+              <a:t>For programs that use networks, they connect to the API for network access. </a:t>
+            </a:r>
+          </a:p>
+          <a:p>
+            <a:r>
+              <a:rPr lang="en-US" dirty="0"/>
+              <a:t>Each OS provides the implementation, so the details are abstracted away. </a:t>
+            </a:r>
+          </a:p>
+          <a:p>
+            <a:pPr lvl="1"/>
+            <a:r>
+              <a:rPr lang="en-US" dirty="0"/>
+              <a:t>Note: Python is a very “high-level” language, meaning it is detached from the actions a computer actually takes. This allows for it to be more human friendly. </a:t>
+            </a:r>
+          </a:p>
+          <a:p>
+            <a:pPr lvl="1"/>
+            <a:r>
+              <a:rPr lang="en-US" dirty="0"/>
+              <a:t>Other languages (like C) force you to do more work on the details – like manually managing RAM</a:t>
+            </a:r>
+          </a:p>
+        </p:txBody>
+      </p:sp>
+    </p:spTree>
+    <p:extLst>
+      <p:ext uri="{BB962C8B-B14F-4D97-AF65-F5344CB8AC3E}">
+        <p14:creationId xmlns:p14="http://schemas.microsoft.com/office/powerpoint/2010/main" val="2672653705"/>
+      </p:ext>
+    </p:extLst>
+  </p:cSld>
+  <p:clrMapOvr>
+    <a:masterClrMapping/>
+  </p:clrMapOvr>
+</p:sld>
+</file>
+
+<file path=ppt/slides/slide17.xml><?xml version="1.0" encoding="utf-8"?>
+<p:sld xmlns:a="http://schemas.openxmlformats.org/drawingml/2006/main" xmlns:r="http://schemas.openxmlformats.org/officeDocument/2006/relationships" xmlns:p="http://schemas.openxmlformats.org/presentationml/2006/main">
+  <p:cSld>
+    <p:spTree>
+      <p:nvGrpSpPr>
+        <p:cNvPr id="1" name=""/>
+        <p:cNvGrpSpPr/>
+        <p:nvPr/>
+      </p:nvGrpSpPr>
+      <p:grpSpPr>
+        <a:xfrm>
+          <a:off x="0" y="0"/>
+          <a:ext cx="0" cy="0"/>
+          <a:chOff x="0" y="0"/>
+          <a:chExt cx="0" cy="0"/>
+        </a:xfrm>
+      </p:grpSpPr>
+      <p:sp>
+        <p:nvSpPr>
+          <p:cNvPr id="2" name="Title 1">
+            <a:extLst>
+              <a:ext uri="{FF2B5EF4-FFF2-40B4-BE49-F238E27FC236}">
+                <a16:creationId xmlns:a16="http://schemas.microsoft.com/office/drawing/2014/main" id="{ED647725-CD41-0132-7480-B8A812195DEF}"/>
+              </a:ext>
+            </a:extLst>
+          </p:cNvPr>
+          <p:cNvSpPr>
+            <a:spLocks noGrp="1"/>
+          </p:cNvSpPr>
+          <p:nvPr>
+            <p:ph type="title"/>
+          </p:nvPr>
+        </p:nvSpPr>
+        <p:spPr/>
+        <p:txBody>
+          <a:bodyPr/>
+          <a:lstStyle/>
+          <a:p>
+            <a:endParaRPr lang="en-US"/>
+          </a:p>
+        </p:txBody>
+      </p:sp>
+      <p:sp>
+        <p:nvSpPr>
+          <p:cNvPr id="3" name="Content Placeholder 2">
+            <a:extLst>
+              <a:ext uri="{FF2B5EF4-FFF2-40B4-BE49-F238E27FC236}">
+                <a16:creationId xmlns:a16="http://schemas.microsoft.com/office/drawing/2014/main" id="{56C31E08-51E8-2573-8E0B-98F7175880A2}"/>
+              </a:ext>
+            </a:extLst>
+          </p:cNvPr>
+          <p:cNvSpPr>
+            <a:spLocks noGrp="1"/>
+          </p:cNvSpPr>
+          <p:nvPr>
+            <p:ph idx="1"/>
+          </p:nvPr>
+        </p:nvSpPr>
+        <p:spPr/>
+        <p:txBody>
+          <a:bodyPr/>
+          <a:lstStyle/>
+          <a:p>
+            <a:endParaRPr lang="en-US"/>
+          </a:p>
+        </p:txBody>
+      </p:sp>
+      <p:pic>
+        <p:nvPicPr>
+          <p:cNvPr id="1026" name="Picture 2" descr="Handling Files | SpringerLink">
+            <a:extLst>
+              <a:ext uri="{FF2B5EF4-FFF2-40B4-BE49-F238E27FC236}">
+                <a16:creationId xmlns:a16="http://schemas.microsoft.com/office/drawing/2014/main" id="{6A3976F2-5A5E-E609-1BAA-6AFEF01CC5CB}"/>
+              </a:ext>
+            </a:extLst>
+          </p:cNvPr>
+          <p:cNvPicPr>
+            <a:picLocks noChangeAspect="1" noChangeArrowheads="1"/>
+          </p:cNvPicPr>
+          <p:nvPr/>
+        </p:nvPicPr>
+        <p:blipFill>
+          <a:blip r:embed="rId2">
+            <a:extLst>
+              <a:ext uri="{28A0092B-C50C-407E-A947-70E740481C1C}">
+                <a14:useLocalDpi xmlns:a14="http://schemas.microsoft.com/office/drawing/2010/main" val="0"/>
+              </a:ext>
+            </a:extLst>
+          </a:blip>
+          <a:srcRect/>
+          <a:stretch>
+            <a:fillRect/>
+          </a:stretch>
+        </p:blipFill>
+        <p:spPr bwMode="auto">
+          <a:xfrm>
+            <a:off x="1831975" y="0"/>
+            <a:ext cx="8526463" cy="6858000"/>
+          </a:xfrm>
+          <a:prstGeom prst="rect">
+            <a:avLst/>
+          </a:prstGeom>
+          <a:noFill/>
+          <a:extLst>
+            <a:ext uri="{909E8E84-426E-40DD-AFC4-6F175D3DCCD1}">
+              <a14:hiddenFill xmlns:a14="http://schemas.microsoft.com/office/drawing/2010/main">
+                <a:solidFill>
+                  <a:srgbClr val="FFFFFF"/>
+                </a:solidFill>
+              </a14:hiddenFill>
+            </a:ext>
+          </a:extLst>
+        </p:spPr>
+      </p:pic>
+    </p:spTree>
+    <p:extLst>
+      <p:ext uri="{BB962C8B-B14F-4D97-AF65-F5344CB8AC3E}">
+        <p14:creationId xmlns:p14="http://schemas.microsoft.com/office/powerpoint/2010/main" val="4239777798"/>
+      </p:ext>
+    </p:extLst>
+  </p:cSld>
+  <p:clrMapOvr>
+    <a:masterClrMapping/>
+  </p:clrMapOvr>
+</p:sld>
+</file>
+
+<file path=ppt/slides/slide18.xml><?xml version="1.0" encoding="utf-8"?>
+<p:sld xmlns:a="http://schemas.openxmlformats.org/drawingml/2006/main" xmlns:r="http://schemas.openxmlformats.org/officeDocument/2006/relationships" xmlns:p="http://schemas.openxmlformats.org/presentationml/2006/main">
+  <p:cSld>
+    <p:spTree>
+      <p:nvGrpSpPr>
+        <p:cNvPr id="1" name=""/>
+        <p:cNvGrpSpPr/>
+        <p:nvPr/>
+      </p:nvGrpSpPr>
+      <p:grpSpPr>
+        <a:xfrm>
+          <a:off x="0" y="0"/>
+          <a:ext cx="0" cy="0"/>
+          <a:chOff x="0" y="0"/>
+          <a:chExt cx="0" cy="0"/>
+        </a:xfrm>
+      </p:grpSpPr>
+      <p:sp>
+        <p:nvSpPr>
+          <p:cNvPr id="2" name="Title 1">
+            <a:extLst>
+              <a:ext uri="{FF2B5EF4-FFF2-40B4-BE49-F238E27FC236}">
                 <a16:creationId xmlns:a16="http://schemas.microsoft.com/office/drawing/2014/main" id="{A1BC0840-4423-D98B-44BB-8F504E14EC67}"/>
               </a:ext>
             </a:extLst>
@@ -4639,6 +5530,7 @@
             </a:r>
           </a:p>
           <a:p>
+            <a:pPr lvl="1"/>
             <a:r>
               <a:rPr lang="en-US" dirty="0"/>
               <a:t>Allows us to not care about the mechanics of loading a file. </a:t>
@@ -4681,7 +5573,7 @@
           <p:cNvPr id="2" name="Title 1">
             <a:extLst>
               <a:ext uri="{FF2B5EF4-FFF2-40B4-BE49-F238E27FC236}">
-                <a16:creationId xmlns:a16="http://schemas.microsoft.com/office/drawing/2014/main" id="{0EEA3C94-041A-6D91-98C6-B7349ED24A66}"/>
+                <a16:creationId xmlns:a16="http://schemas.microsoft.com/office/drawing/2014/main" id="{64FC729C-2200-28CD-9B24-611CB5925410}"/>
               </a:ext>
             </a:extLst>
           </p:cNvPr>
@@ -4689,7 +5581,7 @@
             <a:spLocks noGrp="1"/>
           </p:cNvSpPr>
           <p:nvPr>
-            <p:ph type="title"/>
+            <p:ph type="ctrTitle"/>
           </p:nvPr>
         </p:nvSpPr>
         <p:spPr/>
@@ -4699,17 +5591,17 @@
           <a:p>
             <a:r>
               <a:rPr lang="en-US" dirty="0"/>
-              <a:t>What are Functions?</a:t>
-            </a:r>
-          </a:p>
-        </p:txBody>
-      </p:sp>
-      <p:sp>
-        <p:nvSpPr>
-          <p:cNvPr id="3" name="Content Placeholder 2">
+              <a:t>Functions</a:t>
+            </a:r>
+          </a:p>
+        </p:txBody>
+      </p:sp>
+      <p:sp>
+        <p:nvSpPr>
+          <p:cNvPr id="3" name="Subtitle 2">
             <a:extLst>
               <a:ext uri="{FF2B5EF4-FFF2-40B4-BE49-F238E27FC236}">
-                <a16:creationId xmlns:a16="http://schemas.microsoft.com/office/drawing/2014/main" id="{18619C67-5861-F4DE-BE05-B10F039F3434}"/>
+                <a16:creationId xmlns:a16="http://schemas.microsoft.com/office/drawing/2014/main" id="{6EC5F516-9A7A-E4D2-E4DE-1562F9BEF372}"/>
               </a:ext>
             </a:extLst>
           </p:cNvPr>
@@ -4717,141 +5609,22 @@
             <a:spLocks noGrp="1"/>
           </p:cNvSpPr>
           <p:nvPr>
-            <p:ph idx="1"/>
-          </p:nvPr>
-        </p:nvSpPr>
-        <p:spPr>
-          <a:xfrm>
-            <a:off x="1451579" y="2015732"/>
-            <a:ext cx="9603275" cy="4037749"/>
-          </a:xfrm>
-        </p:spPr>
+            <p:ph type="subTitle" idx="1"/>
+          </p:nvPr>
+        </p:nvSpPr>
+        <p:spPr/>
         <p:txBody>
           <a:bodyPr/>
           <a:lstStyle/>
           <a:p>
-            <a:r>
-              <a:rPr lang="en-US" dirty="0"/>
-              <a:t>Functions are something we’ve used a bunch already – </a:t>
-            </a:r>
-            <a:r>
-              <a:rPr lang="en-US" dirty="0" err="1"/>
-              <a:t>len</a:t>
-            </a:r>
-            <a:r>
-              <a:rPr lang="en-US" dirty="0"/>
-              <a:t>(), type(), print()</a:t>
-            </a:r>
-          </a:p>
-          <a:p>
-            <a:r>
-              <a:rPr lang="en-US" dirty="0"/>
-              <a:t>Functions are blocks of code that we can call by name. </a:t>
-            </a:r>
-          </a:p>
-          <a:p>
-            <a:pPr lvl="1"/>
-            <a:r>
-              <a:rPr lang="en-US" dirty="0"/>
-              <a:t>Functions often/usually have:</a:t>
-            </a:r>
-          </a:p>
-          <a:p>
-            <a:pPr lvl="2"/>
-            <a:r>
-              <a:rPr lang="en-US" dirty="0"/>
-              <a:t>Arguments – inputs to the function. The things in the brackets, such as </a:t>
-            </a:r>
-            <a:r>
-              <a:rPr lang="en-US" dirty="0" err="1"/>
-              <a:t>len</a:t>
-            </a:r>
-            <a:r>
-              <a:rPr lang="en-US" dirty="0"/>
-              <a:t>(</a:t>
-            </a:r>
-            <a:r>
-              <a:rPr lang="en-US" dirty="0" err="1"/>
-              <a:t>my_name</a:t>
-            </a:r>
-            <a:r>
-              <a:rPr lang="en-US" dirty="0"/>
-              <a:t>). </a:t>
-            </a:r>
-          </a:p>
-          <a:p>
-            <a:pPr lvl="2"/>
-            <a:r>
-              <a:rPr lang="en-US" dirty="0"/>
-              <a:t>Returns – the value that the function gives back as a “result”. The thing that we “use” from the function, such as </a:t>
-            </a:r>
-            <a:r>
-              <a:rPr lang="en-US" dirty="0" err="1"/>
-              <a:t>my_sqrt</a:t>
-            </a:r>
-            <a:r>
-              <a:rPr lang="en-US" dirty="0"/>
-              <a:t> = </a:t>
-            </a:r>
-            <a:r>
-              <a:rPr lang="en-US" dirty="0" err="1"/>
-              <a:t>math.sqrt</a:t>
-            </a:r>
-            <a:r>
-              <a:rPr lang="en-US" dirty="0"/>
-              <a:t>(</a:t>
-            </a:r>
-            <a:r>
-              <a:rPr lang="en-US" dirty="0" err="1"/>
-              <a:t>my_number</a:t>
-            </a:r>
-            <a:r>
-              <a:rPr lang="en-US" dirty="0"/>
-              <a:t>). </a:t>
-            </a:r>
-          </a:p>
-          <a:p>
-            <a:pPr lvl="2"/>
-            <a:r>
-              <a:rPr lang="en-US" dirty="0"/>
-              <a:t>Neither are required, it depends on the function. </a:t>
-            </a:r>
-          </a:p>
-          <a:p>
-            <a:pPr lvl="2"/>
-            <a:r>
-              <a:rPr lang="en-US" dirty="0"/>
-              <a:t>Functions can also do other, non-return, stuff – write to a file, print, update a </a:t>
-            </a:r>
-            <a:r>
-              <a:rPr lang="en-US" dirty="0" err="1"/>
-              <a:t>db</a:t>
-            </a:r>
-            <a:r>
-              <a:rPr lang="en-US" dirty="0"/>
-              <a:t>, </a:t>
-            </a:r>
-            <a:r>
-              <a:rPr lang="en-US" dirty="0" err="1"/>
-              <a:t>etc</a:t>
-            </a:r>
-            <a:r>
-              <a:rPr lang="en-US" dirty="0"/>
-              <a:t>… </a:t>
-            </a:r>
-          </a:p>
-          <a:p>
-            <a:r>
-              <a:rPr lang="en-US" dirty="0"/>
-              <a:t>Functions make our code easier to read, use, reuse, share, and test. </a:t>
-            </a:r>
+            <a:endParaRPr lang="en-US" dirty="0"/>
           </a:p>
         </p:txBody>
       </p:sp>
     </p:spTree>
     <p:extLst>
       <p:ext uri="{BB962C8B-B14F-4D97-AF65-F5344CB8AC3E}">
-        <p14:creationId xmlns:p14="http://schemas.microsoft.com/office/powerpoint/2010/main" val="2168542544"/>
+        <p14:creationId xmlns:p14="http://schemas.microsoft.com/office/powerpoint/2010/main" val="3767398727"/>
       </p:ext>
     </p:extLst>
   </p:cSld>
@@ -4883,6 +5656,208 @@
           <p:cNvPr id="2" name="Title 1">
             <a:extLst>
               <a:ext uri="{FF2B5EF4-FFF2-40B4-BE49-F238E27FC236}">
+                <a16:creationId xmlns:a16="http://schemas.microsoft.com/office/drawing/2014/main" id="{0EEA3C94-041A-6D91-98C6-B7349ED24A66}"/>
+              </a:ext>
+            </a:extLst>
+          </p:cNvPr>
+          <p:cNvSpPr>
+            <a:spLocks noGrp="1"/>
+          </p:cNvSpPr>
+          <p:nvPr>
+            <p:ph type="title"/>
+          </p:nvPr>
+        </p:nvSpPr>
+        <p:spPr/>
+        <p:txBody>
+          <a:bodyPr/>
+          <a:lstStyle/>
+          <a:p>
+            <a:r>
+              <a:rPr lang="en-US" dirty="0"/>
+              <a:t>What are Functions?</a:t>
+            </a:r>
+          </a:p>
+        </p:txBody>
+      </p:sp>
+      <p:sp>
+        <p:nvSpPr>
+          <p:cNvPr id="3" name="Content Placeholder 2">
+            <a:extLst>
+              <a:ext uri="{FF2B5EF4-FFF2-40B4-BE49-F238E27FC236}">
+                <a16:creationId xmlns:a16="http://schemas.microsoft.com/office/drawing/2014/main" id="{18619C67-5861-F4DE-BE05-B10F039F3434}"/>
+              </a:ext>
+            </a:extLst>
+          </p:cNvPr>
+          <p:cNvSpPr>
+            <a:spLocks noGrp="1"/>
+          </p:cNvSpPr>
+          <p:nvPr>
+            <p:ph idx="1"/>
+          </p:nvPr>
+        </p:nvSpPr>
+        <p:spPr>
+          <a:xfrm>
+            <a:off x="1451579" y="2015732"/>
+            <a:ext cx="9603275" cy="4037749"/>
+          </a:xfrm>
+        </p:spPr>
+        <p:txBody>
+          <a:bodyPr/>
+          <a:lstStyle/>
+          <a:p>
+            <a:r>
+              <a:rPr lang="en-US" dirty="0"/>
+              <a:t>Functions are something we’ve used a bunch already – </a:t>
+            </a:r>
+            <a:r>
+              <a:rPr lang="en-US" dirty="0" err="1"/>
+              <a:t>len</a:t>
+            </a:r>
+            <a:r>
+              <a:rPr lang="en-US" dirty="0"/>
+              <a:t>(), type(), print()</a:t>
+            </a:r>
+          </a:p>
+          <a:p>
+            <a:r>
+              <a:rPr lang="en-US" dirty="0"/>
+              <a:t>Functions are blocks of code that we can call by name. </a:t>
+            </a:r>
+          </a:p>
+          <a:p>
+            <a:pPr lvl="1"/>
+            <a:r>
+              <a:rPr lang="en-US" dirty="0"/>
+              <a:t>Functions often/usually have:</a:t>
+            </a:r>
+          </a:p>
+          <a:p>
+            <a:pPr lvl="2"/>
+            <a:r>
+              <a:rPr lang="en-US" dirty="0"/>
+              <a:t>Arguments – inputs to the function. The things in the brackets, such as </a:t>
+            </a:r>
+            <a:r>
+              <a:rPr lang="en-US" dirty="0" err="1"/>
+              <a:t>len</a:t>
+            </a:r>
+            <a:r>
+              <a:rPr lang="en-US" dirty="0"/>
+              <a:t>(</a:t>
+            </a:r>
+            <a:r>
+              <a:rPr lang="en-US" dirty="0" err="1"/>
+              <a:t>my_name</a:t>
+            </a:r>
+            <a:r>
+              <a:rPr lang="en-US" dirty="0"/>
+              <a:t>). </a:t>
+            </a:r>
+          </a:p>
+          <a:p>
+            <a:pPr lvl="2"/>
+            <a:r>
+              <a:rPr lang="en-US" dirty="0"/>
+              <a:t>Returns – the value that the function gives back as a “result”. The thing that we “use” from the function, such as </a:t>
+            </a:r>
+            <a:r>
+              <a:rPr lang="en-US" dirty="0" err="1"/>
+              <a:t>my_sqrt</a:t>
+            </a:r>
+            <a:r>
+              <a:rPr lang="en-US" dirty="0"/>
+              <a:t> = </a:t>
+            </a:r>
+            <a:r>
+              <a:rPr lang="en-US" dirty="0" err="1"/>
+              <a:t>math.sqrt</a:t>
+            </a:r>
+            <a:r>
+              <a:rPr lang="en-US" dirty="0"/>
+              <a:t>(</a:t>
+            </a:r>
+            <a:r>
+              <a:rPr lang="en-US" dirty="0" err="1"/>
+              <a:t>my_number</a:t>
+            </a:r>
+            <a:r>
+              <a:rPr lang="en-US" dirty="0"/>
+              <a:t>). </a:t>
+            </a:r>
+          </a:p>
+          <a:p>
+            <a:pPr lvl="2"/>
+            <a:r>
+              <a:rPr lang="en-US" dirty="0"/>
+              <a:t>Neither are required, it depends on the function. </a:t>
+            </a:r>
+          </a:p>
+          <a:p>
+            <a:pPr lvl="2"/>
+            <a:r>
+              <a:rPr lang="en-US" dirty="0"/>
+              <a:t>Functions can also do other, non-return, stuff – write to a file, print, update a </a:t>
+            </a:r>
+            <a:r>
+              <a:rPr lang="en-US" dirty="0" err="1"/>
+              <a:t>db</a:t>
+            </a:r>
+            <a:r>
+              <a:rPr lang="en-US" dirty="0"/>
+              <a:t>, </a:t>
+            </a:r>
+            <a:r>
+              <a:rPr lang="en-US" dirty="0" err="1"/>
+              <a:t>etc</a:t>
+            </a:r>
+            <a:r>
+              <a:rPr lang="en-US" dirty="0"/>
+              <a:t>… </a:t>
+            </a:r>
+          </a:p>
+          <a:p>
+            <a:r>
+              <a:rPr lang="en-US" dirty="0"/>
+              <a:t>Functions make our code easier to read, use, reuse, share, and test. </a:t>
+            </a:r>
+          </a:p>
+        </p:txBody>
+      </p:sp>
+    </p:spTree>
+    <p:extLst>
+      <p:ext uri="{BB962C8B-B14F-4D97-AF65-F5344CB8AC3E}">
+        <p14:creationId xmlns:p14="http://schemas.microsoft.com/office/powerpoint/2010/main" val="2168542544"/>
+      </p:ext>
+    </p:extLst>
+  </p:cSld>
+  <p:clrMapOvr>
+    <a:masterClrMapping/>
+  </p:clrMapOvr>
+</p:sld>
+</file>
+
+<file path=ppt/slides/slide4.xml><?xml version="1.0" encoding="utf-8"?>
+<p:sld xmlns:a="http://schemas.openxmlformats.org/drawingml/2006/main" xmlns:r="http://schemas.openxmlformats.org/officeDocument/2006/relationships" xmlns:p="http://schemas.openxmlformats.org/presentationml/2006/main">
+  <p:cSld>
+    <p:spTree>
+      <p:nvGrpSpPr>
+        <p:cNvPr id="1" name=""/>
+        <p:cNvGrpSpPr/>
+        <p:nvPr/>
+      </p:nvGrpSpPr>
+      <p:grpSpPr>
+        <a:xfrm>
+          <a:off x="0" y="0"/>
+          <a:ext cx="0" cy="0"/>
+          <a:chOff x="0" y="0"/>
+          <a:chExt cx="0" cy="0"/>
+        </a:xfrm>
+      </p:grpSpPr>
+      <p:sp>
+        <p:nvSpPr>
+          <p:cNvPr id="2" name="Title 1">
+            <a:extLst>
+              <a:ext uri="{FF2B5EF4-FFF2-40B4-BE49-F238E27FC236}">
                 <a16:creationId xmlns:a16="http://schemas.microsoft.com/office/drawing/2014/main" id="{EF7A8AF7-7285-9F74-9A45-258C532E605B}"/>
               </a:ext>
             </a:extLst>
@@ -4992,7 +5967,7 @@
 </p:sld>
 </file>
 
-<file path=ppt/slides/slide4.xml><?xml version="1.0" encoding="utf-8"?>
+<file path=ppt/slides/slide5.xml><?xml version="1.0" encoding="utf-8"?>
 <p:sld xmlns:a="http://schemas.openxmlformats.org/drawingml/2006/main" xmlns:r="http://schemas.openxmlformats.org/officeDocument/2006/relationships" xmlns:p="http://schemas.openxmlformats.org/presentationml/2006/main">
   <p:cSld>
     <p:spTree>
@@ -5122,7 +6097,7 @@
 </p:sld>
 </file>
 
-<file path=ppt/slides/slide5.xml><?xml version="1.0" encoding="utf-8"?>
+<file path=ppt/slides/slide6.xml><?xml version="1.0" encoding="utf-8"?>
 <p:sld xmlns:a="http://schemas.openxmlformats.org/drawingml/2006/main" xmlns:r="http://schemas.openxmlformats.org/officeDocument/2006/relationships" xmlns:p="http://schemas.openxmlformats.org/presentationml/2006/main">
   <p:cSld>
     <p:spTree>
@@ -5275,7 +6250,7 @@
 </p:sld>
 </file>
 
-<file path=ppt/slides/slide6.xml><?xml version="1.0" encoding="utf-8"?>
+<file path=ppt/slides/slide7.xml><?xml version="1.0" encoding="utf-8"?>
 <p:sld xmlns:a="http://schemas.openxmlformats.org/drawingml/2006/main" xmlns:r="http://schemas.openxmlformats.org/officeDocument/2006/relationships" xmlns:p="http://schemas.openxmlformats.org/presentationml/2006/main">
   <p:cSld>
     <p:spTree>
@@ -5453,7 +6428,7 @@
 </p:sld>
 </file>
 
-<file path=ppt/slides/slide7.xml><?xml version="1.0" encoding="utf-8"?>
+<file path=ppt/slides/slide8.xml><?xml version="1.0" encoding="utf-8"?>
 <p:sld xmlns:a="http://schemas.openxmlformats.org/drawingml/2006/main" xmlns:r="http://schemas.openxmlformats.org/officeDocument/2006/relationships" xmlns:p="http://schemas.openxmlformats.org/presentationml/2006/main">
   <p:cSld>
     <p:spTree>
@@ -5580,7 +6555,7 @@
 </p:sld>
 </file>
 
-<file path=ppt/slides/slide8.xml><?xml version="1.0" encoding="utf-8"?>
+<file path=ppt/slides/slide9.xml><?xml version="1.0" encoding="utf-8"?>
 <p:sld xmlns:a="http://schemas.openxmlformats.org/drawingml/2006/main" xmlns:r="http://schemas.openxmlformats.org/officeDocument/2006/relationships" xmlns:p="http://schemas.openxmlformats.org/presentationml/2006/main">
   <p:cSld>
     <p:spTree>
@@ -5770,150 +6745,6 @@
     <p:extLst>
       <p:ext uri="{BB962C8B-B14F-4D97-AF65-F5344CB8AC3E}">
         <p14:creationId xmlns:p14="http://schemas.microsoft.com/office/powerpoint/2010/main" val="3893778997"/>
-      </p:ext>
-    </p:extLst>
-  </p:cSld>
-  <p:clrMapOvr>
-    <a:masterClrMapping/>
-  </p:clrMapOvr>
-</p:sld>
-</file>
-
-<file path=ppt/slides/slide9.xml><?xml version="1.0" encoding="utf-8"?>
-<p:sld xmlns:a="http://schemas.openxmlformats.org/drawingml/2006/main" xmlns:r="http://schemas.openxmlformats.org/officeDocument/2006/relationships" xmlns:p="http://schemas.openxmlformats.org/presentationml/2006/main">
-  <p:cSld>
-    <p:spTree>
-      <p:nvGrpSpPr>
-        <p:cNvPr id="1" name=""/>
-        <p:cNvGrpSpPr/>
-        <p:nvPr/>
-      </p:nvGrpSpPr>
-      <p:grpSpPr>
-        <a:xfrm>
-          <a:off x="0" y="0"/>
-          <a:ext cx="0" cy="0"/>
-          <a:chOff x="0" y="0"/>
-          <a:chExt cx="0" cy="0"/>
-        </a:xfrm>
-      </p:grpSpPr>
-      <p:sp>
-        <p:nvSpPr>
-          <p:cNvPr id="2" name="Title 1">
-            <a:extLst>
-              <a:ext uri="{FF2B5EF4-FFF2-40B4-BE49-F238E27FC236}">
-                <a16:creationId xmlns:a16="http://schemas.microsoft.com/office/drawing/2014/main" id="{6B009688-9891-99C1-19EF-2EAB7D837770}"/>
-              </a:ext>
-            </a:extLst>
-          </p:cNvPr>
-          <p:cNvSpPr>
-            <a:spLocks noGrp="1"/>
-          </p:cNvSpPr>
-          <p:nvPr>
-            <p:ph type="title"/>
-          </p:nvPr>
-        </p:nvSpPr>
-        <p:spPr/>
-        <p:txBody>
-          <a:bodyPr/>
-          <a:lstStyle/>
-          <a:p>
-            <a:r>
-              <a:rPr lang="en-US" dirty="0"/>
-              <a:t>Variable Scope and You</a:t>
-            </a:r>
-          </a:p>
-        </p:txBody>
-      </p:sp>
-      <p:sp>
-        <p:nvSpPr>
-          <p:cNvPr id="3" name="Content Placeholder 2">
-            <a:extLst>
-              <a:ext uri="{FF2B5EF4-FFF2-40B4-BE49-F238E27FC236}">
-                <a16:creationId xmlns:a16="http://schemas.microsoft.com/office/drawing/2014/main" id="{6DFBDB0A-228B-8794-2EF8-A2E0FDEB8617}"/>
-              </a:ext>
-            </a:extLst>
-          </p:cNvPr>
-          <p:cNvSpPr>
-            <a:spLocks noGrp="1"/>
-          </p:cNvSpPr>
-          <p:nvPr>
-            <p:ph idx="1"/>
-          </p:nvPr>
-        </p:nvSpPr>
-        <p:spPr>
-          <a:xfrm>
-            <a:off x="1451579" y="2015732"/>
-            <a:ext cx="9603275" cy="4037749"/>
-          </a:xfrm>
-        </p:spPr>
-        <p:txBody>
-          <a:bodyPr/>
-          <a:lstStyle/>
-          <a:p>
-            <a:r>
-              <a:rPr lang="en-US" dirty="0"/>
-              <a:t>A rule of thumb is that a variable is visible only “inside” the thing it is declared in. </a:t>
-            </a:r>
-          </a:p>
-          <a:p>
-            <a:r>
-              <a:rPr lang="en-US" dirty="0"/>
-              <a:t>For example:</a:t>
-            </a:r>
-          </a:p>
-          <a:p>
-            <a:pPr lvl="1"/>
-            <a:r>
-              <a:rPr lang="en-US" dirty="0"/>
-              <a:t>A “normal” variable is “in” the program, so we see it everywhere. </a:t>
-            </a:r>
-          </a:p>
-          <a:p>
-            <a:pPr lvl="1"/>
-            <a:r>
-              <a:rPr lang="en-US" dirty="0"/>
-              <a:t>A variable inside a function is visible in that function. </a:t>
-            </a:r>
-          </a:p>
-          <a:p>
-            <a:pPr lvl="1"/>
-            <a:r>
-              <a:rPr lang="en-US" dirty="0"/>
-              <a:t>(Later) A variable inside a class is visible in </a:t>
-            </a:r>
-            <a:r>
-              <a:rPr lang="en-US"/>
-              <a:t>that class. </a:t>
-            </a:r>
-            <a:endParaRPr lang="en-US" dirty="0"/>
-          </a:p>
-          <a:p>
-            <a:r>
-              <a:rPr lang="en-US" dirty="0"/>
-              <a:t>Reusing variable names and relying on scope works, but has risk. </a:t>
-            </a:r>
-          </a:p>
-          <a:p>
-            <a:pPr lvl="1"/>
-            <a:r>
-              <a:rPr lang="en-US" dirty="0"/>
-              <a:t>Counter_1, counter_2, </a:t>
-            </a:r>
-            <a:r>
-              <a:rPr lang="en-US" dirty="0" err="1"/>
-              <a:t>etc</a:t>
-            </a:r>
-            <a:r>
-              <a:rPr lang="en-US" dirty="0"/>
-              <a:t>… is probably better than being confused on what counter is. </a:t>
-            </a:r>
-          </a:p>
-        </p:txBody>
-      </p:sp>
-    </p:spTree>
-    <p:extLst>
-      <p:ext uri="{BB962C8B-B14F-4D97-AF65-F5344CB8AC3E}">
-        <p14:creationId xmlns:p14="http://schemas.microsoft.com/office/powerpoint/2010/main" val="1520565066"/>
       </p:ext>
     </p:extLst>
   </p:cSld>

--- a/course_resources/slides/Used/004_functions.pptx
+++ b/course_resources/slides/Used/004_functions.pptx
@@ -3728,8 +3728,13 @@
           <a:p>
             <a:r>
               <a:rPr lang="en-US" dirty="0"/>
-              <a:t>Today:</a:t>
-            </a:r>
+              <a:t>Today (workbook </a:t>
+            </a:r>
+            <a:r>
+              <a:rPr lang="en-US"/>
+              <a:t>004 from repository):</a:t>
+            </a:r>
+            <a:endParaRPr lang="en-US" dirty="0"/>
           </a:p>
           <a:p>
             <a:pPr lvl="1"/>

--- a/course_resources/slides/Used/004_functions.pptx
+++ b/course_resources/slides/Used/004_functions.pptx
@@ -7,15 +7,15 @@
   <p:sldIdLst>
     <p:sldId id="274" r:id="rId2"/>
     <p:sldId id="256" r:id="rId3"/>
-    <p:sldId id="257" r:id="rId4"/>
-    <p:sldId id="262" r:id="rId5"/>
-    <p:sldId id="259" r:id="rId6"/>
-    <p:sldId id="258" r:id="rId7"/>
-    <p:sldId id="263" r:id="rId8"/>
-    <p:sldId id="267" r:id="rId9"/>
-    <p:sldId id="266" r:id="rId10"/>
-    <p:sldId id="272" r:id="rId11"/>
-    <p:sldId id="269" r:id="rId12"/>
+    <p:sldId id="269" r:id="rId4"/>
+    <p:sldId id="257" r:id="rId5"/>
+    <p:sldId id="262" r:id="rId6"/>
+    <p:sldId id="259" r:id="rId7"/>
+    <p:sldId id="258" r:id="rId8"/>
+    <p:sldId id="263" r:id="rId9"/>
+    <p:sldId id="267" r:id="rId10"/>
+    <p:sldId id="266" r:id="rId11"/>
+    <p:sldId id="272" r:id="rId12"/>
     <p:sldId id="265" r:id="rId13"/>
     <p:sldId id="260" r:id="rId14"/>
     <p:sldId id="261" r:id="rId15"/>
@@ -3728,13 +3728,8 @@
           <a:p>
             <a:r>
               <a:rPr lang="en-US" dirty="0"/>
-              <a:t>Today (workbook </a:t>
-            </a:r>
-            <a:r>
-              <a:rPr lang="en-US"/>
-              <a:t>004 from repository):</a:t>
-            </a:r>
-            <a:endParaRPr lang="en-US" dirty="0"/>
+              <a:t>Today (workbook 004 from repository):</a:t>
+            </a:r>
           </a:p>
           <a:p>
             <a:pPr lvl="1"/>
@@ -3814,7 +3809,7 @@
           <p:cNvPr id="2" name="Title 1">
             <a:extLst>
               <a:ext uri="{FF2B5EF4-FFF2-40B4-BE49-F238E27FC236}">
-                <a16:creationId xmlns:a16="http://schemas.microsoft.com/office/drawing/2014/main" id="{6B009688-9891-99C1-19EF-2EAB7D837770}"/>
+                <a16:creationId xmlns:a16="http://schemas.microsoft.com/office/drawing/2014/main" id="{FF802690-A9BF-B948-6ECD-0DA6D9934399}"/>
               </a:ext>
             </a:extLst>
           </p:cNvPr>
@@ -3832,7 +3827,7 @@
           <a:p>
             <a:r>
               <a:rPr lang="en-US" dirty="0"/>
-              <a:t>Variable Scope and You</a:t>
+              <a:t>Variable Scope</a:t>
             </a:r>
           </a:p>
         </p:txBody>
@@ -3842,7 +3837,7 @@
           <p:cNvPr id="3" name="Content Placeholder 2">
             <a:extLst>
               <a:ext uri="{FF2B5EF4-FFF2-40B4-BE49-F238E27FC236}">
-                <a16:creationId xmlns:a16="http://schemas.microsoft.com/office/drawing/2014/main" id="{6DFBDB0A-228B-8794-2EF8-A2E0FDEB8617}"/>
+                <a16:creationId xmlns:a16="http://schemas.microsoft.com/office/drawing/2014/main" id="{C37068FF-6514-C0E7-71F0-466051E79FFF}"/>
               </a:ext>
             </a:extLst>
           </p:cNvPr>
@@ -3855,73 +3850,133 @@
         </p:nvSpPr>
         <p:spPr>
           <a:xfrm>
-            <a:off x="1451579" y="2015732"/>
-            <a:ext cx="9603275" cy="4037749"/>
+            <a:off x="1451579" y="1853754"/>
+            <a:ext cx="9603275" cy="4199727"/>
           </a:xfrm>
         </p:spPr>
         <p:txBody>
-          <a:bodyPr/>
-          <a:lstStyle/>
-          <a:p>
-            <a:r>
-              <a:rPr lang="en-US" dirty="0"/>
-              <a:t>A rule of thumb is that a variable is visible only “inside” the thing it is declared in. </a:t>
-            </a:r>
-          </a:p>
-          <a:p>
-            <a:r>
-              <a:rPr lang="en-US" dirty="0"/>
-              <a:t>For example:</a:t>
+          <a:bodyPr>
+            <a:normAutofit lnSpcReduction="10000"/>
+          </a:bodyPr>
+          <a:lstStyle/>
+          <a:p>
+            <a:r>
+              <a:rPr lang="en-US" dirty="0"/>
+              <a:t>Functions introduce us to variable scope. </a:t>
+            </a:r>
+          </a:p>
+          <a:p>
+            <a:r>
+              <a:rPr lang="en-US" dirty="0"/>
+              <a:t>The scope of a variable refers to where is is available. </a:t>
+            </a:r>
+          </a:p>
+          <a:p>
+            <a:r>
+              <a:rPr lang="en-US" dirty="0"/>
+              <a:t>We have 3 potential scopes:</a:t>
             </a:r>
           </a:p>
           <a:p>
             <a:pPr lvl="1"/>
             <a:r>
               <a:rPr lang="en-US" dirty="0"/>
-              <a:t>A “normal” variable is “in” the program, so we see it everywhere. </a:t>
+              <a:t>Global – available everywhere in the program. </a:t>
             </a:r>
           </a:p>
           <a:p>
             <a:pPr lvl="1"/>
             <a:r>
               <a:rPr lang="en-US" dirty="0"/>
-              <a:t>A variable inside a function is visible in that function. </a:t>
+              <a:t>Enclosed – nested inside other functions. </a:t>
             </a:r>
           </a:p>
           <a:p>
             <a:pPr lvl="1"/>
             <a:r>
               <a:rPr lang="en-US" dirty="0"/>
-              <a:t>(Later) A variable inside a class is visible in that class. </a:t>
-            </a:r>
-          </a:p>
-          <a:p>
-            <a:r>
-              <a:rPr lang="en-US" dirty="0"/>
-              <a:t>Reusing variable names and relying on scope works, but has risk. </a:t>
+              <a:t>Local – available inside a function. </a:t>
+            </a:r>
+          </a:p>
+          <a:p>
+            <a:r>
+              <a:rPr lang="en-US" dirty="0"/>
+              <a:t>Python will resolve, or look for a match, from the bottom up. </a:t>
             </a:r>
           </a:p>
           <a:p>
             <a:pPr lvl="1"/>
             <a:r>
               <a:rPr lang="en-US" dirty="0"/>
-              <a:t>Counter_1, counter_2, </a:t>
-            </a:r>
-            <a:r>
-              <a:rPr lang="en-US" dirty="0" err="1"/>
-              <a:t>etc</a:t>
-            </a:r>
-            <a:r>
-              <a:rPr lang="en-US" dirty="0"/>
-              <a:t>… is probably better than being confused on what counter is. </a:t>
-            </a:r>
-          </a:p>
-        </p:txBody>
-      </p:sp>
+              <a:t>Careful on reusing variable names for scopes that can overlap. </a:t>
+            </a:r>
+          </a:p>
+          <a:p>
+            <a:r>
+              <a:rPr lang="en-US" dirty="0"/>
+              <a:t>Each separate function has its own independent scope. </a:t>
+            </a:r>
+          </a:p>
+          <a:p>
+            <a:pPr lvl="1"/>
+            <a:r>
+              <a:rPr lang="en-US" dirty="0"/>
+              <a:t>We commonly reuse variable names from function to function, especially generic ones. </a:t>
+            </a:r>
+          </a:p>
+        </p:txBody>
+      </p:sp>
+      <p:pic>
+        <p:nvPicPr>
+          <p:cNvPr id="3074" name="Picture 2" descr="Python Variable Scope with Local &amp; Non-local Examples | DataCamp">
+            <a:extLst>
+              <a:ext uri="{FF2B5EF4-FFF2-40B4-BE49-F238E27FC236}">
+                <a16:creationId xmlns:a16="http://schemas.microsoft.com/office/drawing/2014/main" id="{F0626467-1DF9-77C5-D102-CCBAFB4043A5}"/>
+              </a:ext>
+            </a:extLst>
+          </p:cNvPr>
+          <p:cNvPicPr>
+            <a:picLocks noChangeAspect="1" noChangeArrowheads="1"/>
+          </p:cNvPicPr>
+          <p:nvPr/>
+        </p:nvPicPr>
+        <p:blipFill>
+          <a:blip r:embed="rId2">
+            <a:extLst>
+              <a:ext uri="{28A0092B-C50C-407E-A947-70E740481C1C}">
+                <a14:useLocalDpi xmlns:a14="http://schemas.microsoft.com/office/drawing/2010/main" val="0"/>
+              </a:ext>
+            </a:extLst>
+          </a:blip>
+          <a:srcRect/>
+          <a:stretch>
+            <a:fillRect/>
+          </a:stretch>
+        </p:blipFill>
+        <p:spPr bwMode="auto">
+          <a:xfrm>
+            <a:off x="8340811" y="1836004"/>
+            <a:ext cx="3851189" cy="3386724"/>
+          </a:xfrm>
+          <a:prstGeom prst="rect">
+            <a:avLst/>
+          </a:prstGeom>
+          <a:noFill/>
+          <a:extLst>
+            <a:ext uri="{909E8E84-426E-40DD-AFC4-6F175D3DCCD1}">
+              <a14:hiddenFill xmlns:a14="http://schemas.microsoft.com/office/drawing/2010/main">
+                <a:solidFill>
+                  <a:srgbClr val="FFFFFF"/>
+                </a:solidFill>
+              </a14:hiddenFill>
+            </a:ext>
+          </a:extLst>
+        </p:spPr>
+      </p:pic>
     </p:spTree>
     <p:extLst>
       <p:ext uri="{BB962C8B-B14F-4D97-AF65-F5344CB8AC3E}">
-        <p14:creationId xmlns:p14="http://schemas.microsoft.com/office/powerpoint/2010/main" val="1520565066"/>
+        <p14:creationId xmlns:p14="http://schemas.microsoft.com/office/powerpoint/2010/main" val="3893778997"/>
       </p:ext>
     </p:extLst>
   </p:cSld>
@@ -3953,7 +4008,7 @@
           <p:cNvPr id="2" name="Title 1">
             <a:extLst>
               <a:ext uri="{FF2B5EF4-FFF2-40B4-BE49-F238E27FC236}">
-                <a16:creationId xmlns:a16="http://schemas.microsoft.com/office/drawing/2014/main" id="{B3D496A1-84C6-3103-DBDE-1D8771686355}"/>
+                <a16:creationId xmlns:a16="http://schemas.microsoft.com/office/drawing/2014/main" id="{6B009688-9891-99C1-19EF-2EAB7D837770}"/>
               </a:ext>
             </a:extLst>
           </p:cNvPr>
@@ -3971,7 +4026,7 @@
           <a:p>
             <a:r>
               <a:rPr lang="en-US" dirty="0"/>
-              <a:t>Side Note - User Input</a:t>
+              <a:t>Variable Scope and You</a:t>
             </a:r>
           </a:p>
         </p:txBody>
@@ -3981,7 +4036,7 @@
           <p:cNvPr id="3" name="Content Placeholder 2">
             <a:extLst>
               <a:ext uri="{FF2B5EF4-FFF2-40B4-BE49-F238E27FC236}">
-                <a16:creationId xmlns:a16="http://schemas.microsoft.com/office/drawing/2014/main" id="{8431B2F2-C583-F326-CECE-102575131B81}"/>
+                <a16:creationId xmlns:a16="http://schemas.microsoft.com/office/drawing/2014/main" id="{6DFBDB0A-228B-8794-2EF8-A2E0FDEB8617}"/>
               </a:ext>
             </a:extLst>
           </p:cNvPr>
@@ -3992,54 +4047,67 @@
             <p:ph idx="1"/>
           </p:nvPr>
         </p:nvSpPr>
-        <p:spPr/>
+        <p:spPr>
+          <a:xfrm>
+            <a:off x="1451579" y="2015732"/>
+            <a:ext cx="9603275" cy="4037749"/>
+          </a:xfrm>
+        </p:spPr>
         <p:txBody>
           <a:bodyPr/>
           <a:lstStyle/>
           <a:p>
             <a:r>
               <a:rPr lang="en-US" dirty="0"/>
-              <a:t>When running code on a command line, we can get user input directly. </a:t>
-            </a:r>
-          </a:p>
-          <a:p>
-            <a:r>
-              <a:rPr lang="en-US" dirty="0"/>
-              <a:t>When using notebooks we don’t have the direct access to user input. </a:t>
-            </a:r>
-          </a:p>
-          <a:p>
-            <a:r>
-              <a:rPr lang="en-US" dirty="0"/>
-              <a:t>We can use the input() function to request user input. </a:t>
+              <a:t>A rule of thumb is that a variable is visible only “inside” the thing it is declared in. </a:t>
+            </a:r>
+          </a:p>
+          <a:p>
+            <a:r>
+              <a:rPr lang="en-US" dirty="0"/>
+              <a:t>For example:</a:t>
             </a:r>
           </a:p>
           <a:p>
             <a:pPr lvl="1"/>
             <a:r>
               <a:rPr lang="en-US" dirty="0"/>
-              <a:t>In VS Code, the text box at the top will open for input. </a:t>
+              <a:t>A “normal” variable is “in” the program, so we see it everywhere. </a:t>
             </a:r>
           </a:p>
           <a:p>
             <a:pPr lvl="1"/>
             <a:r>
               <a:rPr lang="en-US" dirty="0"/>
-              <a:t>After hitting enter, that value will be captured, likely into a variable. </a:t>
+              <a:t>A variable inside a function is visible in that function. </a:t>
             </a:r>
           </a:p>
           <a:p>
             <a:pPr lvl="1"/>
-            <a:endParaRPr lang="en-US" dirty="0"/>
-          </a:p>
-          <a:p>
+            <a:r>
+              <a:rPr lang="en-US" dirty="0"/>
+              <a:t>(Later) A variable inside a class is visible in that class. </a:t>
+            </a:r>
+          </a:p>
+          <a:p>
+            <a:r>
+              <a:rPr lang="en-US" dirty="0"/>
+              <a:t>Reusing variable names and relying on scope works, but has risk. </a:t>
+            </a:r>
+          </a:p>
+          <a:p>
+            <a:pPr lvl="1"/>
+            <a:r>
+              <a:rPr lang="en-US" dirty="0"/>
+              <a:t>Counter_1, counter_2, </a:t>
+            </a:r>
             <a:r>
               <a:rPr lang="en-US" dirty="0" err="1"/>
-              <a:t>My_age</a:t>
-            </a:r>
-            <a:r>
-              <a:rPr lang="en-US" dirty="0"/>
-              <a:t> = input(“Please enter your age:”)</a:t>
+              <a:t>etc</a:t>
+            </a:r>
+            <a:r>
+              <a:rPr lang="en-US" dirty="0"/>
+              <a:t>… is probably better than being confused on what counter is. </a:t>
             </a:r>
           </a:p>
         </p:txBody>
@@ -4047,7 +4115,7 @@
     </p:spTree>
     <p:extLst>
       <p:ext uri="{BB962C8B-B14F-4D97-AF65-F5344CB8AC3E}">
-        <p14:creationId xmlns:p14="http://schemas.microsoft.com/office/powerpoint/2010/main" val="3558061033"/>
+        <p14:creationId xmlns:p14="http://schemas.microsoft.com/office/powerpoint/2010/main" val="1520565066"/>
       </p:ext>
     </p:extLst>
   </p:cSld>
@@ -5661,7 +5729,7 @@
           <p:cNvPr id="2" name="Title 1">
             <a:extLst>
               <a:ext uri="{FF2B5EF4-FFF2-40B4-BE49-F238E27FC236}">
-                <a16:creationId xmlns:a16="http://schemas.microsoft.com/office/drawing/2014/main" id="{0EEA3C94-041A-6D91-98C6-B7349ED24A66}"/>
+                <a16:creationId xmlns:a16="http://schemas.microsoft.com/office/drawing/2014/main" id="{B3D496A1-84C6-3103-DBDE-1D8771686355}"/>
               </a:ext>
             </a:extLst>
           </p:cNvPr>
@@ -5679,7 +5747,7 @@
           <a:p>
             <a:r>
               <a:rPr lang="en-US" dirty="0"/>
-              <a:t>What are Functions?</a:t>
+              <a:t>Side Note - User Input</a:t>
             </a:r>
           </a:p>
         </p:txBody>
@@ -5689,7 +5757,7 @@
           <p:cNvPr id="3" name="Content Placeholder 2">
             <a:extLst>
               <a:ext uri="{FF2B5EF4-FFF2-40B4-BE49-F238E27FC236}">
-                <a16:creationId xmlns:a16="http://schemas.microsoft.com/office/drawing/2014/main" id="{18619C67-5861-F4DE-BE05-B10F039F3434}"/>
+                <a16:creationId xmlns:a16="http://schemas.microsoft.com/office/drawing/2014/main" id="{8431B2F2-C583-F326-CECE-102575131B81}"/>
               </a:ext>
             </a:extLst>
           </p:cNvPr>
@@ -5700,130 +5768,54 @@
             <p:ph idx="1"/>
           </p:nvPr>
         </p:nvSpPr>
-        <p:spPr>
-          <a:xfrm>
-            <a:off x="1451579" y="2015732"/>
-            <a:ext cx="9603275" cy="4037749"/>
-          </a:xfrm>
-        </p:spPr>
+        <p:spPr/>
         <p:txBody>
           <a:bodyPr/>
           <a:lstStyle/>
           <a:p>
             <a:r>
               <a:rPr lang="en-US" dirty="0"/>
-              <a:t>Functions are something we’ve used a bunch already – </a:t>
-            </a:r>
+              <a:t>When running code on a command line, we can get user input directly. </a:t>
+            </a:r>
+          </a:p>
+          <a:p>
+            <a:r>
+              <a:rPr lang="en-US" dirty="0"/>
+              <a:t>When using notebooks we don’t have the direct access to user input. </a:t>
+            </a:r>
+          </a:p>
+          <a:p>
+            <a:r>
+              <a:rPr lang="en-US" dirty="0"/>
+              <a:t>We can use the input() function to request user input. </a:t>
+            </a:r>
+          </a:p>
+          <a:p>
+            <a:pPr lvl="1"/>
+            <a:r>
+              <a:rPr lang="en-US" dirty="0"/>
+              <a:t>In VS Code, the text box at the top will open for input. </a:t>
+            </a:r>
+          </a:p>
+          <a:p>
+            <a:pPr lvl="1"/>
+            <a:r>
+              <a:rPr lang="en-US" dirty="0"/>
+              <a:t>After hitting enter, that value will be captured, likely into a variable. </a:t>
+            </a:r>
+          </a:p>
+          <a:p>
+            <a:pPr lvl="1"/>
+            <a:endParaRPr lang="en-US" dirty="0"/>
+          </a:p>
+          <a:p>
             <a:r>
               <a:rPr lang="en-US" dirty="0" err="1"/>
-              <a:t>len</a:t>
-            </a:r>
-            <a:r>
-              <a:rPr lang="en-US" dirty="0"/>
-              <a:t>(), type(), print()</a:t>
-            </a:r>
-          </a:p>
-          <a:p>
-            <a:r>
-              <a:rPr lang="en-US" dirty="0"/>
-              <a:t>Functions are blocks of code that we can call by name. </a:t>
-            </a:r>
-          </a:p>
-          <a:p>
-            <a:pPr lvl="1"/>
-            <a:r>
-              <a:rPr lang="en-US" dirty="0"/>
-              <a:t>Functions often/usually have:</a:t>
-            </a:r>
-          </a:p>
-          <a:p>
-            <a:pPr lvl="2"/>
-            <a:r>
-              <a:rPr lang="en-US" dirty="0"/>
-              <a:t>Arguments – inputs to the function. The things in the brackets, such as </a:t>
-            </a:r>
-            <a:r>
-              <a:rPr lang="en-US" dirty="0" err="1"/>
-              <a:t>len</a:t>
-            </a:r>
-            <a:r>
-              <a:rPr lang="en-US" dirty="0"/>
-              <a:t>(</a:t>
-            </a:r>
-            <a:r>
-              <a:rPr lang="en-US" dirty="0" err="1"/>
-              <a:t>my_name</a:t>
-            </a:r>
-            <a:r>
-              <a:rPr lang="en-US" dirty="0"/>
-              <a:t>). </a:t>
-            </a:r>
-          </a:p>
-          <a:p>
-            <a:pPr lvl="2"/>
-            <a:r>
-              <a:rPr lang="en-US" dirty="0"/>
-              <a:t>Returns – the value that the function gives back as a “result”. The thing that we “use” from the function, such as </a:t>
-            </a:r>
-            <a:r>
-              <a:rPr lang="en-US" dirty="0" err="1"/>
-              <a:t>my_sqrt</a:t>
-            </a:r>
-            <a:r>
-              <a:rPr lang="en-US" dirty="0"/>
-              <a:t> = </a:t>
-            </a:r>
-            <a:r>
-              <a:rPr lang="en-US" dirty="0" err="1"/>
-              <a:t>math.sqrt</a:t>
-            </a:r>
-            <a:r>
-              <a:rPr lang="en-US" dirty="0"/>
-              <a:t>(</a:t>
-            </a:r>
-            <a:r>
-              <a:rPr lang="en-US" dirty="0" err="1"/>
-              <a:t>my_number</a:t>
-            </a:r>
-            <a:r>
-              <a:rPr lang="en-US" dirty="0"/>
-              <a:t>). </a:t>
-            </a:r>
-          </a:p>
-          <a:p>
-            <a:pPr lvl="2"/>
-            <a:r>
-              <a:rPr lang="en-US" dirty="0"/>
-              <a:t>Neither are required, it depends on the function. </a:t>
-            </a:r>
-          </a:p>
-          <a:p>
-            <a:pPr lvl="2"/>
-            <a:r>
-              <a:rPr lang="en-US" dirty="0"/>
-              <a:t>Functions can also do other, non-return, stuff – write to a file, print, update a </a:t>
-            </a:r>
-            <a:r>
-              <a:rPr lang="en-US" dirty="0" err="1"/>
-              <a:t>db</a:t>
-            </a:r>
-            <a:r>
-              <a:rPr lang="en-US" dirty="0"/>
-              <a:t>, </a:t>
-            </a:r>
-            <a:r>
-              <a:rPr lang="en-US" dirty="0" err="1"/>
-              <a:t>etc</a:t>
-            </a:r>
-            <a:r>
-              <a:rPr lang="en-US" dirty="0"/>
-              <a:t>… </a:t>
-            </a:r>
-          </a:p>
-          <a:p>
-            <a:r>
-              <a:rPr lang="en-US" dirty="0"/>
-              <a:t>Functions make our code easier to read, use, reuse, share, and test. </a:t>
+              <a:t>My_age</a:t>
+            </a:r>
+            <a:r>
+              <a:rPr lang="en-US" dirty="0"/>
+              <a:t> = input(“Please enter your age:”)</a:t>
             </a:r>
           </a:p>
         </p:txBody>
@@ -5831,7 +5823,7 @@
     </p:spTree>
     <p:extLst>
       <p:ext uri="{BB962C8B-B14F-4D97-AF65-F5344CB8AC3E}">
-        <p14:creationId xmlns:p14="http://schemas.microsoft.com/office/powerpoint/2010/main" val="2168542544"/>
+        <p14:creationId xmlns:p14="http://schemas.microsoft.com/office/powerpoint/2010/main" val="3558061033"/>
       </p:ext>
     </p:extLst>
   </p:cSld>
@@ -5863,6 +5855,208 @@
           <p:cNvPr id="2" name="Title 1">
             <a:extLst>
               <a:ext uri="{FF2B5EF4-FFF2-40B4-BE49-F238E27FC236}">
+                <a16:creationId xmlns:a16="http://schemas.microsoft.com/office/drawing/2014/main" id="{0EEA3C94-041A-6D91-98C6-B7349ED24A66}"/>
+              </a:ext>
+            </a:extLst>
+          </p:cNvPr>
+          <p:cNvSpPr>
+            <a:spLocks noGrp="1"/>
+          </p:cNvSpPr>
+          <p:nvPr>
+            <p:ph type="title"/>
+          </p:nvPr>
+        </p:nvSpPr>
+        <p:spPr/>
+        <p:txBody>
+          <a:bodyPr/>
+          <a:lstStyle/>
+          <a:p>
+            <a:r>
+              <a:rPr lang="en-US" dirty="0"/>
+              <a:t>What are Functions?</a:t>
+            </a:r>
+          </a:p>
+        </p:txBody>
+      </p:sp>
+      <p:sp>
+        <p:nvSpPr>
+          <p:cNvPr id="3" name="Content Placeholder 2">
+            <a:extLst>
+              <a:ext uri="{FF2B5EF4-FFF2-40B4-BE49-F238E27FC236}">
+                <a16:creationId xmlns:a16="http://schemas.microsoft.com/office/drawing/2014/main" id="{18619C67-5861-F4DE-BE05-B10F039F3434}"/>
+              </a:ext>
+            </a:extLst>
+          </p:cNvPr>
+          <p:cNvSpPr>
+            <a:spLocks noGrp="1"/>
+          </p:cNvSpPr>
+          <p:nvPr>
+            <p:ph idx="1"/>
+          </p:nvPr>
+        </p:nvSpPr>
+        <p:spPr>
+          <a:xfrm>
+            <a:off x="1451579" y="2015732"/>
+            <a:ext cx="9603275" cy="4037749"/>
+          </a:xfrm>
+        </p:spPr>
+        <p:txBody>
+          <a:bodyPr/>
+          <a:lstStyle/>
+          <a:p>
+            <a:r>
+              <a:rPr lang="en-US" dirty="0"/>
+              <a:t>Functions are something we’ve used a bunch already – </a:t>
+            </a:r>
+            <a:r>
+              <a:rPr lang="en-US" dirty="0" err="1"/>
+              <a:t>len</a:t>
+            </a:r>
+            <a:r>
+              <a:rPr lang="en-US" dirty="0"/>
+              <a:t>(), type(), print()</a:t>
+            </a:r>
+          </a:p>
+          <a:p>
+            <a:r>
+              <a:rPr lang="en-US" dirty="0"/>
+              <a:t>Functions are blocks of code that we can call by name. </a:t>
+            </a:r>
+          </a:p>
+          <a:p>
+            <a:pPr lvl="1"/>
+            <a:r>
+              <a:rPr lang="en-US" dirty="0"/>
+              <a:t>Functions often/usually have:</a:t>
+            </a:r>
+          </a:p>
+          <a:p>
+            <a:pPr lvl="2"/>
+            <a:r>
+              <a:rPr lang="en-US" dirty="0"/>
+              <a:t>Arguments – inputs to the function. The things in the brackets, such as </a:t>
+            </a:r>
+            <a:r>
+              <a:rPr lang="en-US" dirty="0" err="1"/>
+              <a:t>len</a:t>
+            </a:r>
+            <a:r>
+              <a:rPr lang="en-US" dirty="0"/>
+              <a:t>(</a:t>
+            </a:r>
+            <a:r>
+              <a:rPr lang="en-US" dirty="0" err="1"/>
+              <a:t>my_name</a:t>
+            </a:r>
+            <a:r>
+              <a:rPr lang="en-US" dirty="0"/>
+              <a:t>). </a:t>
+            </a:r>
+          </a:p>
+          <a:p>
+            <a:pPr lvl="2"/>
+            <a:r>
+              <a:rPr lang="en-US" dirty="0"/>
+              <a:t>Returns – the value that the function gives back as a “result”. The thing that we “use” from the function, such as </a:t>
+            </a:r>
+            <a:r>
+              <a:rPr lang="en-US" dirty="0" err="1"/>
+              <a:t>my_sqrt</a:t>
+            </a:r>
+            <a:r>
+              <a:rPr lang="en-US" dirty="0"/>
+              <a:t> = </a:t>
+            </a:r>
+            <a:r>
+              <a:rPr lang="en-US" dirty="0" err="1"/>
+              <a:t>math.sqrt</a:t>
+            </a:r>
+            <a:r>
+              <a:rPr lang="en-US" dirty="0"/>
+              <a:t>(</a:t>
+            </a:r>
+            <a:r>
+              <a:rPr lang="en-US" dirty="0" err="1"/>
+              <a:t>my_number</a:t>
+            </a:r>
+            <a:r>
+              <a:rPr lang="en-US" dirty="0"/>
+              <a:t>). </a:t>
+            </a:r>
+          </a:p>
+          <a:p>
+            <a:pPr lvl="2"/>
+            <a:r>
+              <a:rPr lang="en-US" dirty="0"/>
+              <a:t>Neither are required, it depends on the function. </a:t>
+            </a:r>
+          </a:p>
+          <a:p>
+            <a:pPr lvl="2"/>
+            <a:r>
+              <a:rPr lang="en-US" dirty="0"/>
+              <a:t>Functions can also do other, non-return, stuff – write to a file, print, update a </a:t>
+            </a:r>
+            <a:r>
+              <a:rPr lang="en-US" dirty="0" err="1"/>
+              <a:t>db</a:t>
+            </a:r>
+            <a:r>
+              <a:rPr lang="en-US" dirty="0"/>
+              <a:t>, </a:t>
+            </a:r>
+            <a:r>
+              <a:rPr lang="en-US" dirty="0" err="1"/>
+              <a:t>etc</a:t>
+            </a:r>
+            <a:r>
+              <a:rPr lang="en-US" dirty="0"/>
+              <a:t>… </a:t>
+            </a:r>
+          </a:p>
+          <a:p>
+            <a:r>
+              <a:rPr lang="en-US" dirty="0"/>
+              <a:t>Functions make our code easier to read, use, reuse, share, and test. </a:t>
+            </a:r>
+          </a:p>
+        </p:txBody>
+      </p:sp>
+    </p:spTree>
+    <p:extLst>
+      <p:ext uri="{BB962C8B-B14F-4D97-AF65-F5344CB8AC3E}">
+        <p14:creationId xmlns:p14="http://schemas.microsoft.com/office/powerpoint/2010/main" val="2168542544"/>
+      </p:ext>
+    </p:extLst>
+  </p:cSld>
+  <p:clrMapOvr>
+    <a:masterClrMapping/>
+  </p:clrMapOvr>
+</p:sld>
+</file>
+
+<file path=ppt/slides/slide5.xml><?xml version="1.0" encoding="utf-8"?>
+<p:sld xmlns:a="http://schemas.openxmlformats.org/drawingml/2006/main" xmlns:r="http://schemas.openxmlformats.org/officeDocument/2006/relationships" xmlns:p="http://schemas.openxmlformats.org/presentationml/2006/main">
+  <p:cSld>
+    <p:spTree>
+      <p:nvGrpSpPr>
+        <p:cNvPr id="1" name=""/>
+        <p:cNvGrpSpPr/>
+        <p:nvPr/>
+      </p:nvGrpSpPr>
+      <p:grpSpPr>
+        <a:xfrm>
+          <a:off x="0" y="0"/>
+          <a:ext cx="0" cy="0"/>
+          <a:chOff x="0" y="0"/>
+          <a:chExt cx="0" cy="0"/>
+        </a:xfrm>
+      </p:grpSpPr>
+      <p:sp>
+        <p:nvSpPr>
+          <p:cNvPr id="2" name="Title 1">
+            <a:extLst>
+              <a:ext uri="{FF2B5EF4-FFF2-40B4-BE49-F238E27FC236}">
                 <a16:creationId xmlns:a16="http://schemas.microsoft.com/office/drawing/2014/main" id="{EF7A8AF7-7285-9F74-9A45-258C532E605B}"/>
               </a:ext>
             </a:extLst>
@@ -5972,7 +6166,7 @@
 </p:sld>
 </file>
 
-<file path=ppt/slides/slide5.xml><?xml version="1.0" encoding="utf-8"?>
+<file path=ppt/slides/slide6.xml><?xml version="1.0" encoding="utf-8"?>
 <p:sld xmlns:a="http://schemas.openxmlformats.org/drawingml/2006/main" xmlns:r="http://schemas.openxmlformats.org/officeDocument/2006/relationships" xmlns:p="http://schemas.openxmlformats.org/presentationml/2006/main">
   <p:cSld>
     <p:spTree>
@@ -6102,7 +6296,7 @@
 </p:sld>
 </file>
 
-<file path=ppt/slides/slide6.xml><?xml version="1.0" encoding="utf-8"?>
+<file path=ppt/slides/slide7.xml><?xml version="1.0" encoding="utf-8"?>
 <p:sld xmlns:a="http://schemas.openxmlformats.org/drawingml/2006/main" xmlns:r="http://schemas.openxmlformats.org/officeDocument/2006/relationships" xmlns:p="http://schemas.openxmlformats.org/presentationml/2006/main">
   <p:cSld>
     <p:spTree>
@@ -6255,7 +6449,7 @@
 </p:sld>
 </file>
 
-<file path=ppt/slides/slide7.xml><?xml version="1.0" encoding="utf-8"?>
+<file path=ppt/slides/slide8.xml><?xml version="1.0" encoding="utf-8"?>
 <p:sld xmlns:a="http://schemas.openxmlformats.org/drawingml/2006/main" xmlns:r="http://schemas.openxmlformats.org/officeDocument/2006/relationships" xmlns:p="http://schemas.openxmlformats.org/presentationml/2006/main">
   <p:cSld>
     <p:spTree>
@@ -6433,7 +6627,7 @@
 </p:sld>
 </file>
 
-<file path=ppt/slides/slide8.xml><?xml version="1.0" encoding="utf-8"?>
+<file path=ppt/slides/slide9.xml><?xml version="1.0" encoding="utf-8"?>
 <p:sld xmlns:a="http://schemas.openxmlformats.org/drawingml/2006/main" xmlns:r="http://schemas.openxmlformats.org/officeDocument/2006/relationships" xmlns:p="http://schemas.openxmlformats.org/presentationml/2006/main">
   <p:cSld>
     <p:spTree>
@@ -6551,205 +6745,6 @@
     <p:extLst>
       <p:ext uri="{BB962C8B-B14F-4D97-AF65-F5344CB8AC3E}">
         <p14:creationId xmlns:p14="http://schemas.microsoft.com/office/powerpoint/2010/main" val="1859701845"/>
-      </p:ext>
-    </p:extLst>
-  </p:cSld>
-  <p:clrMapOvr>
-    <a:masterClrMapping/>
-  </p:clrMapOvr>
-</p:sld>
-</file>
-
-<file path=ppt/slides/slide9.xml><?xml version="1.0" encoding="utf-8"?>
-<p:sld xmlns:a="http://schemas.openxmlformats.org/drawingml/2006/main" xmlns:r="http://schemas.openxmlformats.org/officeDocument/2006/relationships" xmlns:p="http://schemas.openxmlformats.org/presentationml/2006/main">
-  <p:cSld>
-    <p:spTree>
-      <p:nvGrpSpPr>
-        <p:cNvPr id="1" name=""/>
-        <p:cNvGrpSpPr/>
-        <p:nvPr/>
-      </p:nvGrpSpPr>
-      <p:grpSpPr>
-        <a:xfrm>
-          <a:off x="0" y="0"/>
-          <a:ext cx="0" cy="0"/>
-          <a:chOff x="0" y="0"/>
-          <a:chExt cx="0" cy="0"/>
-        </a:xfrm>
-      </p:grpSpPr>
-      <p:sp>
-        <p:nvSpPr>
-          <p:cNvPr id="2" name="Title 1">
-            <a:extLst>
-              <a:ext uri="{FF2B5EF4-FFF2-40B4-BE49-F238E27FC236}">
-                <a16:creationId xmlns:a16="http://schemas.microsoft.com/office/drawing/2014/main" id="{FF802690-A9BF-B948-6ECD-0DA6D9934399}"/>
-              </a:ext>
-            </a:extLst>
-          </p:cNvPr>
-          <p:cNvSpPr>
-            <a:spLocks noGrp="1"/>
-          </p:cNvSpPr>
-          <p:nvPr>
-            <p:ph type="title"/>
-          </p:nvPr>
-        </p:nvSpPr>
-        <p:spPr/>
-        <p:txBody>
-          <a:bodyPr/>
-          <a:lstStyle/>
-          <a:p>
-            <a:r>
-              <a:rPr lang="en-US" dirty="0"/>
-              <a:t>Variable Scope</a:t>
-            </a:r>
-          </a:p>
-        </p:txBody>
-      </p:sp>
-      <p:sp>
-        <p:nvSpPr>
-          <p:cNvPr id="3" name="Content Placeholder 2">
-            <a:extLst>
-              <a:ext uri="{FF2B5EF4-FFF2-40B4-BE49-F238E27FC236}">
-                <a16:creationId xmlns:a16="http://schemas.microsoft.com/office/drawing/2014/main" id="{C37068FF-6514-C0E7-71F0-466051E79FFF}"/>
-              </a:ext>
-            </a:extLst>
-          </p:cNvPr>
-          <p:cNvSpPr>
-            <a:spLocks noGrp="1"/>
-          </p:cNvSpPr>
-          <p:nvPr>
-            <p:ph idx="1"/>
-          </p:nvPr>
-        </p:nvSpPr>
-        <p:spPr>
-          <a:xfrm>
-            <a:off x="1451579" y="1853754"/>
-            <a:ext cx="9603275" cy="4199727"/>
-          </a:xfrm>
-        </p:spPr>
-        <p:txBody>
-          <a:bodyPr>
-            <a:normAutofit lnSpcReduction="10000"/>
-          </a:bodyPr>
-          <a:lstStyle/>
-          <a:p>
-            <a:r>
-              <a:rPr lang="en-US" dirty="0"/>
-              <a:t>Functions introduce us to variable scope. </a:t>
-            </a:r>
-          </a:p>
-          <a:p>
-            <a:r>
-              <a:rPr lang="en-US" dirty="0"/>
-              <a:t>The scope of a variable refers to where is is available. </a:t>
-            </a:r>
-          </a:p>
-          <a:p>
-            <a:r>
-              <a:rPr lang="en-US" dirty="0"/>
-              <a:t>We have 3 potential scopes:</a:t>
-            </a:r>
-          </a:p>
-          <a:p>
-            <a:pPr lvl="1"/>
-            <a:r>
-              <a:rPr lang="en-US" dirty="0"/>
-              <a:t>Global – available everywhere in the program. </a:t>
-            </a:r>
-          </a:p>
-          <a:p>
-            <a:pPr lvl="1"/>
-            <a:r>
-              <a:rPr lang="en-US" dirty="0"/>
-              <a:t>Enclosed – nested inside other functions. </a:t>
-            </a:r>
-          </a:p>
-          <a:p>
-            <a:pPr lvl="1"/>
-            <a:r>
-              <a:rPr lang="en-US" dirty="0"/>
-              <a:t>Local – available inside a function. </a:t>
-            </a:r>
-          </a:p>
-          <a:p>
-            <a:r>
-              <a:rPr lang="en-US" dirty="0"/>
-              <a:t>Python will resolve, or look for a match, from the bottom up. </a:t>
-            </a:r>
-          </a:p>
-          <a:p>
-            <a:pPr lvl="1"/>
-            <a:r>
-              <a:rPr lang="en-US" dirty="0"/>
-              <a:t>Careful on reusing variable names for scopes that can overlap. </a:t>
-            </a:r>
-          </a:p>
-          <a:p>
-            <a:r>
-              <a:rPr lang="en-US" dirty="0"/>
-              <a:t>Each separate function has its own independent scope. </a:t>
-            </a:r>
-          </a:p>
-          <a:p>
-            <a:pPr lvl="1"/>
-            <a:r>
-              <a:rPr lang="en-US" dirty="0"/>
-              <a:t>We commonly reuse variable names from function to function, especially generic ones. </a:t>
-            </a:r>
-          </a:p>
-        </p:txBody>
-      </p:sp>
-      <p:pic>
-        <p:nvPicPr>
-          <p:cNvPr id="3074" name="Picture 2" descr="Python Variable Scope with Local &amp; Non-local Examples | DataCamp">
-            <a:extLst>
-              <a:ext uri="{FF2B5EF4-FFF2-40B4-BE49-F238E27FC236}">
-                <a16:creationId xmlns:a16="http://schemas.microsoft.com/office/drawing/2014/main" id="{F0626467-1DF9-77C5-D102-CCBAFB4043A5}"/>
-              </a:ext>
-            </a:extLst>
-          </p:cNvPr>
-          <p:cNvPicPr>
-            <a:picLocks noChangeAspect="1" noChangeArrowheads="1"/>
-          </p:cNvPicPr>
-          <p:nvPr/>
-        </p:nvPicPr>
-        <p:blipFill>
-          <a:blip r:embed="rId2">
-            <a:extLst>
-              <a:ext uri="{28A0092B-C50C-407E-A947-70E740481C1C}">
-                <a14:useLocalDpi xmlns:a14="http://schemas.microsoft.com/office/drawing/2010/main" val="0"/>
-              </a:ext>
-            </a:extLst>
-          </a:blip>
-          <a:srcRect/>
-          <a:stretch>
-            <a:fillRect/>
-          </a:stretch>
-        </p:blipFill>
-        <p:spPr bwMode="auto">
-          <a:xfrm>
-            <a:off x="8340811" y="1836004"/>
-            <a:ext cx="3851189" cy="3386724"/>
-          </a:xfrm>
-          <a:prstGeom prst="rect">
-            <a:avLst/>
-          </a:prstGeom>
-          <a:noFill/>
-          <a:extLst>
-            <a:ext uri="{909E8E84-426E-40DD-AFC4-6F175D3DCCD1}">
-              <a14:hiddenFill xmlns:a14="http://schemas.microsoft.com/office/drawing/2010/main">
-                <a:solidFill>
-                  <a:srgbClr val="FFFFFF"/>
-                </a:solidFill>
-              </a14:hiddenFill>
-            </a:ext>
-          </a:extLst>
-        </p:spPr>
-      </p:pic>
-    </p:spTree>
-    <p:extLst>
-      <p:ext uri="{BB962C8B-B14F-4D97-AF65-F5344CB8AC3E}">
-        <p14:creationId xmlns:p14="http://schemas.microsoft.com/office/powerpoint/2010/main" val="3893778997"/>
       </p:ext>
     </p:extLst>
   </p:cSld>
